--- a/Project2/docs/Ball Sort Puzzle.pptx
+++ b/Project2/docs/Ball Sort Puzzle.pptx
@@ -264,7 +264,7 @@
           <a:p>
             <a:fld id="{2B03390F-521F-40ED-9D3B-4287339B36CD}" type="datetimeFigureOut">
               <a:rPr lang="pt-PT" smtClean="0"/>
-              <a:t>16/05/2021</a:t>
+              <a:t>17/05/2021</a:t>
             </a:fld>
             <a:endParaRPr lang="pt-PT"/>
           </a:p>
@@ -462,7 +462,7 @@
           <a:p>
             <a:fld id="{2B03390F-521F-40ED-9D3B-4287339B36CD}" type="datetimeFigureOut">
               <a:rPr lang="pt-PT" smtClean="0"/>
-              <a:t>16/05/2021</a:t>
+              <a:t>17/05/2021</a:t>
             </a:fld>
             <a:endParaRPr lang="pt-PT"/>
           </a:p>
@@ -670,7 +670,7 @@
           <a:p>
             <a:fld id="{2B03390F-521F-40ED-9D3B-4287339B36CD}" type="datetimeFigureOut">
               <a:rPr lang="pt-PT" smtClean="0"/>
-              <a:t>16/05/2021</a:t>
+              <a:t>17/05/2021</a:t>
             </a:fld>
             <a:endParaRPr lang="pt-PT"/>
           </a:p>
@@ -868,7 +868,7 @@
           <a:p>
             <a:fld id="{2B03390F-521F-40ED-9D3B-4287339B36CD}" type="datetimeFigureOut">
               <a:rPr lang="pt-PT" smtClean="0"/>
-              <a:t>16/05/2021</a:t>
+              <a:t>17/05/2021</a:t>
             </a:fld>
             <a:endParaRPr lang="pt-PT"/>
           </a:p>
@@ -1143,7 +1143,7 @@
           <a:p>
             <a:fld id="{2B03390F-521F-40ED-9D3B-4287339B36CD}" type="datetimeFigureOut">
               <a:rPr lang="pt-PT" smtClean="0"/>
-              <a:t>16/05/2021</a:t>
+              <a:t>17/05/2021</a:t>
             </a:fld>
             <a:endParaRPr lang="pt-PT"/>
           </a:p>
@@ -1408,7 +1408,7 @@
           <a:p>
             <a:fld id="{2B03390F-521F-40ED-9D3B-4287339B36CD}" type="datetimeFigureOut">
               <a:rPr lang="pt-PT" smtClean="0"/>
-              <a:t>16/05/2021</a:t>
+              <a:t>17/05/2021</a:t>
             </a:fld>
             <a:endParaRPr lang="pt-PT"/>
           </a:p>
@@ -1825,7 +1825,7 @@
           <a:p>
             <a:fld id="{2B03390F-521F-40ED-9D3B-4287339B36CD}" type="datetimeFigureOut">
               <a:rPr lang="pt-PT" smtClean="0"/>
-              <a:t>16/05/2021</a:t>
+              <a:t>17/05/2021</a:t>
             </a:fld>
             <a:endParaRPr lang="pt-PT"/>
           </a:p>
@@ -1971,7 +1971,7 @@
           <a:p>
             <a:fld id="{2B03390F-521F-40ED-9D3B-4287339B36CD}" type="datetimeFigureOut">
               <a:rPr lang="pt-PT" smtClean="0"/>
-              <a:t>16/05/2021</a:t>
+              <a:t>17/05/2021</a:t>
             </a:fld>
             <a:endParaRPr lang="pt-PT"/>
           </a:p>
@@ -2084,7 +2084,7 @@
           <a:p>
             <a:fld id="{2B03390F-521F-40ED-9D3B-4287339B36CD}" type="datetimeFigureOut">
               <a:rPr lang="pt-PT" smtClean="0"/>
-              <a:t>16/05/2021</a:t>
+              <a:t>17/05/2021</a:t>
             </a:fld>
             <a:endParaRPr lang="pt-PT"/>
           </a:p>
@@ -2395,7 +2395,7 @@
           <a:p>
             <a:fld id="{2B03390F-521F-40ED-9D3B-4287339B36CD}" type="datetimeFigureOut">
               <a:rPr lang="pt-PT" smtClean="0"/>
-              <a:t>16/05/2021</a:t>
+              <a:t>17/05/2021</a:t>
             </a:fld>
             <a:endParaRPr lang="pt-PT"/>
           </a:p>
@@ -2688,7 +2688,7 @@
           <a:p>
             <a:fld id="{2B03390F-521F-40ED-9D3B-4287339B36CD}" type="datetimeFigureOut">
               <a:rPr lang="pt-PT" smtClean="0"/>
-              <a:t>16/05/2021</a:t>
+              <a:t>17/05/2021</a:t>
             </a:fld>
             <a:endParaRPr lang="pt-PT"/>
           </a:p>
@@ -2929,7 +2929,7 @@
           <a:p>
             <a:fld id="{2B03390F-521F-40ED-9D3B-4287339B36CD}" type="datetimeFigureOut">
               <a:rPr lang="pt-PT" smtClean="0"/>
-              <a:t>16/05/2021</a:t>
+              <a:t>17/05/2021</a:t>
             </a:fld>
             <a:endParaRPr lang="pt-PT"/>
           </a:p>
@@ -6064,10 +6064,10 @@
               <a:buNone/>
             </a:pPr>
             <a:r>
-              <a:rPr lang="pt-PT" sz="2400" b="1" dirty="0">
-                <a:ea typeface="Roboto" pitchFamily="2" charset="0"/>
-              </a:rPr>
-              <a:t>Policies</a:t>
+              <a:rPr lang="pt-PT" sz="2400" b="1" dirty="0" err="1">
+                <a:ea typeface="Roboto" pitchFamily="2" charset="0"/>
+              </a:rPr>
+              <a:t>Algorithms</a:t>
             </a:r>
             <a:r>
               <a:rPr lang="pt-PT" sz="2400" dirty="0">
@@ -7479,7 +7479,7 @@
               <a:rPr lang="pt-PT" sz="2400" dirty="0" err="1">
                 <a:ea typeface="Roboto" pitchFamily="2" charset="0"/>
               </a:rPr>
-              <a:t>Policy</a:t>
+              <a:t>Algorithm</a:t>
             </a:r>
             <a:endParaRPr lang="pt-PT" sz="2400" dirty="0">
               <a:ea typeface="Roboto" pitchFamily="2" charset="0"/>

--- a/Project2/docs/Ball Sort Puzzle.pptx
+++ b/Project2/docs/Ball Sort Puzzle.pptx
@@ -11,6 +11,11 @@
     <p:sldId id="267" r:id="rId5"/>
     <p:sldId id="268" r:id="rId6"/>
     <p:sldId id="260" r:id="rId7"/>
+    <p:sldId id="270" r:id="rId8"/>
+    <p:sldId id="269" r:id="rId9"/>
+    <p:sldId id="274" r:id="rId10"/>
+    <p:sldId id="273" r:id="rId11"/>
+    <p:sldId id="272" r:id="rId12"/>
   </p:sldIdLst>
   <p:sldSz cx="12192000" cy="6858000"/>
   <p:notesSz cx="6858000" cy="9144000"/>
@@ -264,7 +269,7 @@
           <a:p>
             <a:fld id="{2B03390F-521F-40ED-9D3B-4287339B36CD}" type="datetimeFigureOut">
               <a:rPr lang="pt-PT" smtClean="0"/>
-              <a:t>17/05/2021</a:t>
+              <a:t>25/05/2021</a:t>
             </a:fld>
             <a:endParaRPr lang="pt-PT"/>
           </a:p>
@@ -462,7 +467,7 @@
           <a:p>
             <a:fld id="{2B03390F-521F-40ED-9D3B-4287339B36CD}" type="datetimeFigureOut">
               <a:rPr lang="pt-PT" smtClean="0"/>
-              <a:t>17/05/2021</a:t>
+              <a:t>25/05/2021</a:t>
             </a:fld>
             <a:endParaRPr lang="pt-PT"/>
           </a:p>
@@ -670,7 +675,7 @@
           <a:p>
             <a:fld id="{2B03390F-521F-40ED-9D3B-4287339B36CD}" type="datetimeFigureOut">
               <a:rPr lang="pt-PT" smtClean="0"/>
-              <a:t>17/05/2021</a:t>
+              <a:t>25/05/2021</a:t>
             </a:fld>
             <a:endParaRPr lang="pt-PT"/>
           </a:p>
@@ -868,7 +873,7 @@
           <a:p>
             <a:fld id="{2B03390F-521F-40ED-9D3B-4287339B36CD}" type="datetimeFigureOut">
               <a:rPr lang="pt-PT" smtClean="0"/>
-              <a:t>17/05/2021</a:t>
+              <a:t>25/05/2021</a:t>
             </a:fld>
             <a:endParaRPr lang="pt-PT"/>
           </a:p>
@@ -1143,7 +1148,7 @@
           <a:p>
             <a:fld id="{2B03390F-521F-40ED-9D3B-4287339B36CD}" type="datetimeFigureOut">
               <a:rPr lang="pt-PT" smtClean="0"/>
-              <a:t>17/05/2021</a:t>
+              <a:t>25/05/2021</a:t>
             </a:fld>
             <a:endParaRPr lang="pt-PT"/>
           </a:p>
@@ -1408,7 +1413,7 @@
           <a:p>
             <a:fld id="{2B03390F-521F-40ED-9D3B-4287339B36CD}" type="datetimeFigureOut">
               <a:rPr lang="pt-PT" smtClean="0"/>
-              <a:t>17/05/2021</a:t>
+              <a:t>25/05/2021</a:t>
             </a:fld>
             <a:endParaRPr lang="pt-PT"/>
           </a:p>
@@ -1825,7 +1830,7 @@
           <a:p>
             <a:fld id="{2B03390F-521F-40ED-9D3B-4287339B36CD}" type="datetimeFigureOut">
               <a:rPr lang="pt-PT" smtClean="0"/>
-              <a:t>17/05/2021</a:t>
+              <a:t>25/05/2021</a:t>
             </a:fld>
             <a:endParaRPr lang="pt-PT"/>
           </a:p>
@@ -1971,7 +1976,7 @@
           <a:p>
             <a:fld id="{2B03390F-521F-40ED-9D3B-4287339B36CD}" type="datetimeFigureOut">
               <a:rPr lang="pt-PT" smtClean="0"/>
-              <a:t>17/05/2021</a:t>
+              <a:t>25/05/2021</a:t>
             </a:fld>
             <a:endParaRPr lang="pt-PT"/>
           </a:p>
@@ -2084,7 +2089,7 @@
           <a:p>
             <a:fld id="{2B03390F-521F-40ED-9D3B-4287339B36CD}" type="datetimeFigureOut">
               <a:rPr lang="pt-PT" smtClean="0"/>
-              <a:t>17/05/2021</a:t>
+              <a:t>25/05/2021</a:t>
             </a:fld>
             <a:endParaRPr lang="pt-PT"/>
           </a:p>
@@ -2395,7 +2400,7 @@
           <a:p>
             <a:fld id="{2B03390F-521F-40ED-9D3B-4287339B36CD}" type="datetimeFigureOut">
               <a:rPr lang="pt-PT" smtClean="0"/>
-              <a:t>17/05/2021</a:t>
+              <a:t>25/05/2021</a:t>
             </a:fld>
             <a:endParaRPr lang="pt-PT"/>
           </a:p>
@@ -2688,7 +2693,7 @@
           <a:p>
             <a:fld id="{2B03390F-521F-40ED-9D3B-4287339B36CD}" type="datetimeFigureOut">
               <a:rPr lang="pt-PT" smtClean="0"/>
-              <a:t>17/05/2021</a:t>
+              <a:t>25/05/2021</a:t>
             </a:fld>
             <a:endParaRPr lang="pt-PT"/>
           </a:p>
@@ -2929,7 +2934,7 @@
           <a:p>
             <a:fld id="{2B03390F-521F-40ED-9D3B-4287339B36CD}" type="datetimeFigureOut">
               <a:rPr lang="pt-PT" smtClean="0"/>
-              <a:t>17/05/2021</a:t>
+              <a:t>25/05/2021</a:t>
             </a:fld>
             <a:endParaRPr lang="pt-PT"/>
           </a:p>
@@ -3992,6 +3997,1637 @@
 </p:sld>
 </file>
 
+<file path=ppt/slides/slide10.xml><?xml version="1.0" encoding="utf-8"?>
+<p:sld xmlns:a="http://schemas.openxmlformats.org/drawingml/2006/main" xmlns:r="http://schemas.openxmlformats.org/officeDocument/2006/relationships" xmlns:p="http://schemas.openxmlformats.org/presentationml/2006/main">
+  <p:cSld>
+    <p:spTree>
+      <p:nvGrpSpPr>
+        <p:cNvPr id="1" name=""/>
+        <p:cNvGrpSpPr/>
+        <p:nvPr/>
+      </p:nvGrpSpPr>
+      <p:grpSpPr>
+        <a:xfrm>
+          <a:off x="0" y="0"/>
+          <a:ext cx="0" cy="0"/>
+          <a:chOff x="0" y="0"/>
+          <a:chExt cx="0" cy="0"/>
+        </a:xfrm>
+      </p:grpSpPr>
+      <p:sp>
+        <p:nvSpPr>
+          <p:cNvPr id="6" name="Título 1">
+            <a:extLst>
+              <a:ext uri="{FF2B5EF4-FFF2-40B4-BE49-F238E27FC236}">
+                <a16:creationId xmlns:a16="http://schemas.microsoft.com/office/drawing/2014/main" id="{6D71369E-7E9A-476A-8E42-16E130DB6ED2}"/>
+              </a:ext>
+            </a:extLst>
+          </p:cNvPr>
+          <p:cNvSpPr txBox="1">
+            <a:spLocks/>
+          </p:cNvSpPr>
+          <p:nvPr/>
+        </p:nvSpPr>
+        <p:spPr>
+          <a:xfrm>
+            <a:off x="559716" y="304800"/>
+            <a:ext cx="10515600" cy="1325563"/>
+          </a:xfrm>
+          <a:prstGeom prst="rect">
+            <a:avLst/>
+          </a:prstGeom>
+        </p:spPr>
+        <p:txBody>
+          <a:bodyPr vert="horz" lIns="91440" tIns="45720" rIns="91440" bIns="45720" rtlCol="0" anchor="ctr">
+            <a:normAutofit/>
+          </a:bodyPr>
+          <a:lstStyle>
+            <a:lvl1pPr algn="l" defTabSz="914400" rtl="0" eaLnBrk="1" latinLnBrk="0" hangingPunct="1">
+              <a:lnSpc>
+                <a:spcPct val="90000"/>
+              </a:lnSpc>
+              <a:spcBef>
+                <a:spcPct val="0"/>
+              </a:spcBef>
+              <a:buNone/>
+              <a:defRPr sz="4400" kern="1200">
+                <a:solidFill>
+                  <a:schemeClr val="tx1"/>
+                </a:solidFill>
+                <a:latin typeface="+mj-lt"/>
+                <a:ea typeface="+mj-ea"/>
+                <a:cs typeface="+mj-cs"/>
+              </a:defRPr>
+            </a:lvl1pPr>
+          </a:lstStyle>
+          <a:p>
+            <a:r>
+              <a:rPr lang="en-US" b="1" dirty="0">
+                <a:ea typeface="Roboto" pitchFamily="2" charset="0"/>
+              </a:rPr>
+              <a:t>Analysis</a:t>
+            </a:r>
+            <a:endParaRPr lang="pt-PT" b="1" dirty="0">
+              <a:ea typeface="Roboto" pitchFamily="2" charset="0"/>
+            </a:endParaRPr>
+          </a:p>
+        </p:txBody>
+      </p:sp>
+      <p:sp>
+        <p:nvSpPr>
+          <p:cNvPr id="3" name="Marcador de Posição de Conteúdo 2">
+            <a:extLst>
+              <a:ext uri="{FF2B5EF4-FFF2-40B4-BE49-F238E27FC236}">
+                <a16:creationId xmlns:a16="http://schemas.microsoft.com/office/drawing/2014/main" id="{12DAE172-CE39-4574-A4E6-C9F5072FDC8D}"/>
+              </a:ext>
+            </a:extLst>
+          </p:cNvPr>
+          <p:cNvSpPr>
+            <a:spLocks noGrp="1"/>
+          </p:cNvSpPr>
+          <p:nvPr>
+            <p:ph idx="1"/>
+          </p:nvPr>
+        </p:nvSpPr>
+        <p:spPr>
+          <a:xfrm flipH="1">
+            <a:off x="559717" y="1638755"/>
+            <a:ext cx="10515599" cy="2950026"/>
+          </a:xfrm>
+        </p:spPr>
+        <p:txBody>
+          <a:bodyPr>
+            <a:normAutofit/>
+          </a:bodyPr>
+          <a:lstStyle/>
+          <a:p>
+            <a:pPr marL="0" indent="0">
+              <a:buNone/>
+            </a:pPr>
+            <a:r>
+              <a:rPr lang="pt-PT" sz="2400" dirty="0" err="1">
+                <a:ea typeface="Roboto" pitchFamily="2" charset="0"/>
+              </a:rPr>
+              <a:t>After</a:t>
+            </a:r>
+            <a:r>
+              <a:rPr lang="pt-PT" sz="2400" dirty="0">
+                <a:ea typeface="Roboto" pitchFamily="2" charset="0"/>
+              </a:rPr>
+              <a:t> </a:t>
+            </a:r>
+            <a:r>
+              <a:rPr lang="pt-PT" sz="2400" dirty="0" err="1">
+                <a:ea typeface="Roboto" pitchFamily="2" charset="0"/>
+              </a:rPr>
+              <a:t>this</a:t>
+            </a:r>
+            <a:r>
+              <a:rPr lang="pt-PT" sz="2400" dirty="0">
+                <a:ea typeface="Roboto" pitchFamily="2" charset="0"/>
+              </a:rPr>
+              <a:t> </a:t>
+            </a:r>
+            <a:r>
+              <a:rPr lang="pt-PT" sz="2400" dirty="0" err="1">
+                <a:ea typeface="Roboto" pitchFamily="2" charset="0"/>
+              </a:rPr>
+              <a:t>successful</a:t>
+            </a:r>
+            <a:r>
+              <a:rPr lang="pt-PT" sz="2400" dirty="0">
+                <a:ea typeface="Roboto" pitchFamily="2" charset="0"/>
+              </a:rPr>
+              <a:t> </a:t>
+            </a:r>
+            <a:r>
+              <a:rPr lang="pt-PT" sz="2400" dirty="0" err="1">
+                <a:ea typeface="Roboto" pitchFamily="2" charset="0"/>
+              </a:rPr>
+              <a:t>try</a:t>
+            </a:r>
+            <a:r>
+              <a:rPr lang="pt-PT" sz="2400" dirty="0">
+                <a:ea typeface="Roboto" pitchFamily="2" charset="0"/>
+              </a:rPr>
+              <a:t>, a more </a:t>
+            </a:r>
+            <a:r>
+              <a:rPr lang="pt-PT" sz="2400" dirty="0" err="1">
+                <a:ea typeface="Roboto" pitchFamily="2" charset="0"/>
+              </a:rPr>
+              <a:t>complex</a:t>
+            </a:r>
+            <a:r>
+              <a:rPr lang="pt-PT" sz="2400" dirty="0">
+                <a:ea typeface="Roboto" pitchFamily="2" charset="0"/>
+              </a:rPr>
+              <a:t> puzzle </a:t>
+            </a:r>
+            <a:r>
+              <a:rPr lang="pt-PT" sz="2400" dirty="0" err="1">
+                <a:ea typeface="Roboto" pitchFamily="2" charset="0"/>
+              </a:rPr>
+              <a:t>was</a:t>
+            </a:r>
+            <a:r>
+              <a:rPr lang="pt-PT" sz="2400" dirty="0">
+                <a:ea typeface="Roboto" pitchFamily="2" charset="0"/>
+              </a:rPr>
+              <a:t> </a:t>
+            </a:r>
+            <a:r>
+              <a:rPr lang="pt-PT" sz="2400" dirty="0" err="1">
+                <a:ea typeface="Roboto" pitchFamily="2" charset="0"/>
+              </a:rPr>
+              <a:t>tested</a:t>
+            </a:r>
+            <a:r>
+              <a:rPr lang="pt-PT" sz="2400" dirty="0">
+                <a:ea typeface="Roboto" pitchFamily="2" charset="0"/>
+              </a:rPr>
+              <a:t>: 3 </a:t>
+            </a:r>
+            <a:r>
+              <a:rPr lang="pt-PT" sz="2400" dirty="0" err="1">
+                <a:ea typeface="Roboto" pitchFamily="2" charset="0"/>
+              </a:rPr>
+              <a:t>colours</a:t>
+            </a:r>
+            <a:r>
+              <a:rPr lang="pt-PT" sz="2400" dirty="0">
+                <a:ea typeface="Roboto" pitchFamily="2" charset="0"/>
+              </a:rPr>
+              <a:t> </a:t>
+            </a:r>
+            <a:r>
+              <a:rPr lang="pt-PT" sz="2400" dirty="0" err="1">
+                <a:ea typeface="Roboto" pitchFamily="2" charset="0"/>
+              </a:rPr>
+              <a:t>and</a:t>
+            </a:r>
+            <a:r>
+              <a:rPr lang="pt-PT" sz="2400" dirty="0">
+                <a:ea typeface="Roboto" pitchFamily="2" charset="0"/>
+              </a:rPr>
+              <a:t> 5 tubes. </a:t>
+            </a:r>
+            <a:r>
+              <a:rPr lang="pt-PT" sz="2400" dirty="0" err="1">
+                <a:ea typeface="Roboto" pitchFamily="2" charset="0"/>
+              </a:rPr>
+              <a:t>This</a:t>
+            </a:r>
+            <a:r>
+              <a:rPr lang="pt-PT" sz="2400" dirty="0">
+                <a:ea typeface="Roboto" pitchFamily="2" charset="0"/>
+              </a:rPr>
+              <a:t> </a:t>
+            </a:r>
+            <a:r>
+              <a:rPr lang="pt-PT" sz="2400" dirty="0" err="1">
+                <a:ea typeface="Roboto" pitchFamily="2" charset="0"/>
+              </a:rPr>
+              <a:t>test</a:t>
+            </a:r>
+            <a:r>
+              <a:rPr lang="pt-PT" sz="2400" dirty="0">
+                <a:ea typeface="Roboto" pitchFamily="2" charset="0"/>
+              </a:rPr>
+              <a:t> </a:t>
+            </a:r>
+            <a:r>
+              <a:rPr lang="pt-PT" sz="2400" dirty="0" err="1">
+                <a:ea typeface="Roboto" pitchFamily="2" charset="0"/>
+              </a:rPr>
+              <a:t>was</a:t>
+            </a:r>
+            <a:r>
+              <a:rPr lang="pt-PT" sz="2400" dirty="0">
+                <a:ea typeface="Roboto" pitchFamily="2" charset="0"/>
+              </a:rPr>
+              <a:t> </a:t>
+            </a:r>
+            <a:r>
+              <a:rPr lang="pt-PT" sz="2400" dirty="0" err="1">
+                <a:ea typeface="Roboto" pitchFamily="2" charset="0"/>
+              </a:rPr>
+              <a:t>made</a:t>
+            </a:r>
+            <a:r>
+              <a:rPr lang="pt-PT" sz="2400" dirty="0">
+                <a:ea typeface="Roboto" pitchFamily="2" charset="0"/>
+              </a:rPr>
+              <a:t> </a:t>
+            </a:r>
+            <a:r>
+              <a:rPr lang="pt-PT" sz="2400" dirty="0" err="1">
+                <a:ea typeface="Roboto" pitchFamily="2" charset="0"/>
+              </a:rPr>
+              <a:t>with</a:t>
+            </a:r>
+            <a:r>
+              <a:rPr lang="pt-PT" sz="2400" dirty="0">
+                <a:ea typeface="Roboto" pitchFamily="2" charset="0"/>
+              </a:rPr>
+              <a:t> </a:t>
+            </a:r>
+            <a:r>
+              <a:rPr lang="pt-PT" sz="2400" dirty="0" err="1">
+                <a:ea typeface="Roboto" pitchFamily="2" charset="0"/>
+              </a:rPr>
+              <a:t>the</a:t>
+            </a:r>
+            <a:r>
+              <a:rPr lang="pt-PT" sz="2400" dirty="0">
+                <a:ea typeface="Roboto" pitchFamily="2" charset="0"/>
+              </a:rPr>
+              <a:t> </a:t>
+            </a:r>
+            <a:r>
+              <a:rPr lang="pt-PT" sz="2400" dirty="0" err="1">
+                <a:ea typeface="Roboto" pitchFamily="2" charset="0"/>
+              </a:rPr>
+              <a:t>same</a:t>
+            </a:r>
+            <a:r>
+              <a:rPr lang="pt-PT" sz="2400" dirty="0">
+                <a:ea typeface="Roboto" pitchFamily="2" charset="0"/>
+              </a:rPr>
+              <a:t> </a:t>
+            </a:r>
+            <a:r>
+              <a:rPr lang="pt-PT" sz="2400" dirty="0" err="1">
+                <a:ea typeface="Roboto" pitchFamily="2" charset="0"/>
+              </a:rPr>
+              <a:t>evaluation</a:t>
+            </a:r>
+            <a:r>
+              <a:rPr lang="pt-PT" sz="2400" dirty="0">
+                <a:ea typeface="Roboto" pitchFamily="2" charset="0"/>
+              </a:rPr>
+              <a:t> </a:t>
+            </a:r>
+            <a:r>
+              <a:rPr lang="pt-PT" sz="2400" dirty="0" err="1">
+                <a:ea typeface="Roboto" pitchFamily="2" charset="0"/>
+              </a:rPr>
+              <a:t>function</a:t>
+            </a:r>
+            <a:r>
+              <a:rPr lang="pt-PT" sz="2400" dirty="0">
+                <a:ea typeface="Roboto" pitchFamily="2" charset="0"/>
+              </a:rPr>
+              <a:t> as </a:t>
+            </a:r>
+            <a:r>
+              <a:rPr lang="pt-PT" sz="2400" dirty="0" err="1">
+                <a:ea typeface="Roboto" pitchFamily="2" charset="0"/>
+              </a:rPr>
+              <a:t>before</a:t>
+            </a:r>
+            <a:r>
+              <a:rPr lang="pt-PT" sz="2400" dirty="0">
+                <a:ea typeface="Roboto" pitchFamily="2" charset="0"/>
+              </a:rPr>
+              <a:t>.</a:t>
+            </a:r>
+          </a:p>
+          <a:p>
+            <a:pPr marL="0" indent="0">
+              <a:buNone/>
+            </a:pPr>
+            <a:r>
+              <a:rPr lang="pt-PT" sz="2400" dirty="0">
+                <a:ea typeface="Roboto" pitchFamily="2" charset="0"/>
+              </a:rPr>
+              <a:t>As </a:t>
+            </a:r>
+            <a:r>
+              <a:rPr lang="pt-PT" sz="2400" dirty="0" err="1">
+                <a:ea typeface="Roboto" pitchFamily="2" charset="0"/>
+              </a:rPr>
+              <a:t>we</a:t>
+            </a:r>
+            <a:r>
+              <a:rPr lang="pt-PT" sz="2400" dirty="0">
+                <a:ea typeface="Roboto" pitchFamily="2" charset="0"/>
+              </a:rPr>
+              <a:t> can </a:t>
+            </a:r>
+            <a:r>
+              <a:rPr lang="pt-PT" sz="2400" dirty="0" err="1">
+                <a:ea typeface="Roboto" pitchFamily="2" charset="0"/>
+              </a:rPr>
+              <a:t>see</a:t>
+            </a:r>
+            <a:r>
+              <a:rPr lang="pt-PT" sz="2400" dirty="0">
+                <a:ea typeface="Roboto" pitchFamily="2" charset="0"/>
+              </a:rPr>
+              <a:t> </a:t>
+            </a:r>
+            <a:r>
+              <a:rPr lang="pt-PT" sz="2400" dirty="0" err="1">
+                <a:ea typeface="Roboto" pitchFamily="2" charset="0"/>
+              </a:rPr>
+              <a:t>and</a:t>
+            </a:r>
+            <a:r>
+              <a:rPr lang="pt-PT" sz="2400" dirty="0">
+                <a:ea typeface="Roboto" pitchFamily="2" charset="0"/>
+              </a:rPr>
+              <a:t> as </a:t>
+            </a:r>
+            <a:r>
+              <a:rPr lang="pt-PT" sz="2400" dirty="0" err="1">
+                <a:ea typeface="Roboto" pitchFamily="2" charset="0"/>
+              </a:rPr>
+              <a:t>expected</a:t>
+            </a:r>
+            <a:r>
+              <a:rPr lang="pt-PT" sz="2400" dirty="0">
+                <a:ea typeface="Roboto" pitchFamily="2" charset="0"/>
+              </a:rPr>
+              <a:t>, SARSA </a:t>
+            </a:r>
+            <a:r>
+              <a:rPr lang="pt-PT" sz="2400" dirty="0" err="1">
+                <a:ea typeface="Roboto" pitchFamily="2" charset="0"/>
+              </a:rPr>
+              <a:t>is</a:t>
+            </a:r>
+            <a:r>
+              <a:rPr lang="pt-PT" sz="2400" dirty="0">
+                <a:ea typeface="Roboto" pitchFamily="2" charset="0"/>
+              </a:rPr>
+              <a:t> a more </a:t>
+            </a:r>
+            <a:r>
+              <a:rPr lang="pt-PT" sz="2400" dirty="0" err="1">
+                <a:ea typeface="Roboto" pitchFamily="2" charset="0"/>
+              </a:rPr>
+              <a:t>conservative</a:t>
+            </a:r>
+            <a:r>
+              <a:rPr lang="pt-PT" sz="2400" dirty="0">
+                <a:ea typeface="Roboto" pitchFamily="2" charset="0"/>
+              </a:rPr>
+              <a:t> </a:t>
+            </a:r>
+            <a:r>
+              <a:rPr lang="pt-PT" sz="2400" dirty="0" err="1">
+                <a:ea typeface="Roboto" pitchFamily="2" charset="0"/>
+              </a:rPr>
+              <a:t>algorithm</a:t>
+            </a:r>
+            <a:r>
+              <a:rPr lang="pt-PT" sz="2400" dirty="0">
+                <a:ea typeface="Roboto" pitchFamily="2" charset="0"/>
+              </a:rPr>
+              <a:t>, </a:t>
+            </a:r>
+            <a:r>
+              <a:rPr lang="pt-PT" sz="2400" dirty="0" err="1">
+                <a:ea typeface="Roboto" pitchFamily="2" charset="0"/>
+              </a:rPr>
+              <a:t>evident</a:t>
+            </a:r>
+            <a:r>
+              <a:rPr lang="pt-PT" sz="2400" dirty="0">
+                <a:ea typeface="Roboto" pitchFamily="2" charset="0"/>
+              </a:rPr>
+              <a:t> </a:t>
+            </a:r>
+            <a:r>
+              <a:rPr lang="pt-PT" sz="2400" dirty="0" err="1">
+                <a:ea typeface="Roboto" pitchFamily="2" charset="0"/>
+              </a:rPr>
+              <a:t>by</a:t>
+            </a:r>
+            <a:r>
+              <a:rPr lang="pt-PT" sz="2400" dirty="0">
+                <a:ea typeface="Roboto" pitchFamily="2" charset="0"/>
+              </a:rPr>
+              <a:t> </a:t>
+            </a:r>
+            <a:r>
+              <a:rPr lang="pt-PT" sz="2400" dirty="0" err="1">
+                <a:ea typeface="Roboto" pitchFamily="2" charset="0"/>
+              </a:rPr>
+              <a:t>the</a:t>
+            </a:r>
+            <a:r>
+              <a:rPr lang="pt-PT" sz="2400" dirty="0">
+                <a:ea typeface="Roboto" pitchFamily="2" charset="0"/>
+              </a:rPr>
+              <a:t> </a:t>
+            </a:r>
+            <a:r>
+              <a:rPr lang="pt-PT" sz="2400" dirty="0" err="1">
+                <a:ea typeface="Roboto" pitchFamily="2" charset="0"/>
+              </a:rPr>
+              <a:t>absence</a:t>
+            </a:r>
+            <a:r>
+              <a:rPr lang="pt-PT" sz="2400" dirty="0">
+                <a:ea typeface="Roboto" pitchFamily="2" charset="0"/>
+              </a:rPr>
+              <a:t> </a:t>
+            </a:r>
+            <a:r>
+              <a:rPr lang="pt-PT" sz="2400" dirty="0" err="1">
+                <a:ea typeface="Roboto" pitchFamily="2" charset="0"/>
+              </a:rPr>
+              <a:t>of</a:t>
+            </a:r>
+            <a:r>
+              <a:rPr lang="pt-PT" sz="2400" dirty="0">
+                <a:ea typeface="Roboto" pitchFamily="2" charset="0"/>
+              </a:rPr>
+              <a:t> “</a:t>
+            </a:r>
+            <a:r>
+              <a:rPr lang="pt-PT" sz="2400" dirty="0" err="1">
+                <a:ea typeface="Roboto" pitchFamily="2" charset="0"/>
+              </a:rPr>
+              <a:t>dips</a:t>
+            </a:r>
+            <a:r>
+              <a:rPr lang="pt-PT" sz="2400" dirty="0">
+                <a:ea typeface="Roboto" pitchFamily="2" charset="0"/>
+              </a:rPr>
+              <a:t>” in later </a:t>
+            </a:r>
+            <a:r>
+              <a:rPr lang="pt-PT" sz="2400" dirty="0" err="1">
+                <a:ea typeface="Roboto" pitchFamily="2" charset="0"/>
+              </a:rPr>
+              <a:t>episodes</a:t>
+            </a:r>
+            <a:r>
+              <a:rPr lang="pt-PT" sz="2400" dirty="0">
+                <a:ea typeface="Roboto" pitchFamily="2" charset="0"/>
+              </a:rPr>
+              <a:t>. </a:t>
+            </a:r>
+            <a:r>
+              <a:rPr lang="pt-PT" sz="2400" dirty="0" err="1">
+                <a:ea typeface="Roboto" pitchFamily="2" charset="0"/>
+              </a:rPr>
+              <a:t>This</a:t>
+            </a:r>
+            <a:r>
+              <a:rPr lang="pt-PT" sz="2400" dirty="0">
+                <a:ea typeface="Roboto" pitchFamily="2" charset="0"/>
+              </a:rPr>
+              <a:t> </a:t>
+            </a:r>
+            <a:r>
+              <a:rPr lang="pt-PT" sz="2400" dirty="0" err="1">
+                <a:ea typeface="Roboto" pitchFamily="2" charset="0"/>
+              </a:rPr>
+              <a:t>is</a:t>
+            </a:r>
+            <a:r>
+              <a:rPr lang="pt-PT" sz="2400" dirty="0">
+                <a:ea typeface="Roboto" pitchFamily="2" charset="0"/>
+              </a:rPr>
+              <a:t> </a:t>
+            </a:r>
+            <a:r>
+              <a:rPr lang="pt-PT" sz="2400" dirty="0" err="1">
+                <a:ea typeface="Roboto" pitchFamily="2" charset="0"/>
+              </a:rPr>
+              <a:t>because</a:t>
+            </a:r>
+            <a:r>
+              <a:rPr lang="pt-PT" sz="2400" dirty="0">
+                <a:ea typeface="Roboto" pitchFamily="2" charset="0"/>
+              </a:rPr>
+              <a:t> SARSA </a:t>
+            </a:r>
+            <a:r>
+              <a:rPr lang="pt-PT" sz="2400" dirty="0" err="1">
+                <a:ea typeface="Roboto" pitchFamily="2" charset="0"/>
+              </a:rPr>
+              <a:t>is</a:t>
+            </a:r>
+            <a:r>
+              <a:rPr lang="pt-PT" sz="2400" dirty="0">
+                <a:ea typeface="Roboto" pitchFamily="2" charset="0"/>
+              </a:rPr>
+              <a:t> </a:t>
+            </a:r>
+            <a:r>
+              <a:rPr lang="pt-PT" sz="2400" dirty="0" err="1">
+                <a:ea typeface="Roboto" pitchFamily="2" charset="0"/>
+              </a:rPr>
+              <a:t>on-policy</a:t>
+            </a:r>
+            <a:r>
+              <a:rPr lang="pt-PT" sz="2400" dirty="0">
+                <a:ea typeface="Roboto" pitchFamily="2" charset="0"/>
+              </a:rPr>
+              <a:t>.</a:t>
+            </a:r>
+          </a:p>
+        </p:txBody>
+      </p:sp>
+      <p:sp>
+        <p:nvSpPr>
+          <p:cNvPr id="4" name="Retângulo 3">
+            <a:extLst>
+              <a:ext uri="{FF2B5EF4-FFF2-40B4-BE49-F238E27FC236}">
+                <a16:creationId xmlns:a16="http://schemas.microsoft.com/office/drawing/2014/main" id="{90B6A4EF-9E53-46D5-92DA-6EFB0024E853}"/>
+              </a:ext>
+            </a:extLst>
+          </p:cNvPr>
+          <p:cNvSpPr/>
+          <p:nvPr/>
+        </p:nvSpPr>
+        <p:spPr>
+          <a:xfrm>
+            <a:off x="0" y="-35351"/>
+            <a:ext cx="216816" cy="6928701"/>
+          </a:xfrm>
+          <a:prstGeom prst="rect">
+            <a:avLst/>
+          </a:prstGeom>
+        </p:spPr>
+        <p:style>
+          <a:lnRef idx="2">
+            <a:schemeClr val="accent1">
+              <a:shade val="50000"/>
+            </a:schemeClr>
+          </a:lnRef>
+          <a:fillRef idx="1">
+            <a:schemeClr val="accent1"/>
+          </a:fillRef>
+          <a:effectRef idx="0">
+            <a:schemeClr val="accent1"/>
+          </a:effectRef>
+          <a:fontRef idx="minor">
+            <a:schemeClr val="lt1"/>
+          </a:fontRef>
+        </p:style>
+        <p:txBody>
+          <a:bodyPr rtlCol="0" anchor="ctr"/>
+          <a:lstStyle/>
+          <a:p>
+            <a:pPr algn="ctr"/>
+            <a:endParaRPr lang="en-GB"/>
+          </a:p>
+        </p:txBody>
+      </p:sp>
+      <p:pic>
+        <p:nvPicPr>
+          <p:cNvPr id="5" name="Imagem 4">
+            <a:extLst>
+              <a:ext uri="{FF2B5EF4-FFF2-40B4-BE49-F238E27FC236}">
+                <a16:creationId xmlns:a16="http://schemas.microsoft.com/office/drawing/2014/main" id="{7BA3DCCD-3276-4287-9AC3-EF4C6F38A372}"/>
+              </a:ext>
+            </a:extLst>
+          </p:cNvPr>
+          <p:cNvPicPr>
+            <a:picLocks noChangeAspect="1"/>
+          </p:cNvPicPr>
+          <p:nvPr/>
+        </p:nvPicPr>
+        <p:blipFill>
+          <a:blip r:embed="rId2">
+            <a:extLst>
+              <a:ext uri="{28A0092B-C50C-407E-A947-70E740481C1C}">
+                <a14:useLocalDpi xmlns:a14="http://schemas.microsoft.com/office/drawing/2010/main" val="0"/>
+              </a:ext>
+            </a:extLst>
+          </a:blip>
+          <a:stretch>
+            <a:fillRect/>
+          </a:stretch>
+        </p:blipFill>
+        <p:spPr>
+          <a:xfrm>
+            <a:off x="9856198" y="5937007"/>
+            <a:ext cx="1776086" cy="616193"/>
+          </a:xfrm>
+          <a:prstGeom prst="rect">
+            <a:avLst/>
+          </a:prstGeom>
+        </p:spPr>
+      </p:pic>
+      <p:sp>
+        <p:nvSpPr>
+          <p:cNvPr id="2" name="CaixaDeTexto 1">
+            <a:extLst>
+              <a:ext uri="{FF2B5EF4-FFF2-40B4-BE49-F238E27FC236}">
+                <a16:creationId xmlns:a16="http://schemas.microsoft.com/office/drawing/2014/main" id="{72857E8F-969F-4629-AA0F-38E5A20A848E}"/>
+              </a:ext>
+            </a:extLst>
+          </p:cNvPr>
+          <p:cNvSpPr txBox="1"/>
+          <p:nvPr/>
+        </p:nvSpPr>
+        <p:spPr>
+          <a:xfrm>
+            <a:off x="6429119" y="5906869"/>
+            <a:ext cx="3058036" cy="646331"/>
+          </a:xfrm>
+          <a:prstGeom prst="rect">
+            <a:avLst/>
+          </a:prstGeom>
+          <a:noFill/>
+        </p:spPr>
+        <p:txBody>
+          <a:bodyPr wrap="square" rtlCol="0">
+            <a:spAutoFit/>
+          </a:bodyPr>
+          <a:lstStyle/>
+          <a:p>
+            <a:r>
+              <a:rPr lang="pt-PT" dirty="0" err="1"/>
+              <a:t>Fig</a:t>
+            </a:r>
+            <a:r>
+              <a:rPr lang="pt-PT" dirty="0"/>
+              <a:t> 6. SARSA </a:t>
+            </a:r>
+            <a:r>
+              <a:rPr lang="pt-PT" dirty="0" err="1"/>
+              <a:t>with</a:t>
+            </a:r>
+            <a:endParaRPr lang="pt-PT" dirty="0"/>
+          </a:p>
+          <a:p>
+            <a:r>
+              <a:rPr lang="en-US" dirty="0"/>
+              <a:t>Training score over time: 8.45 </a:t>
+            </a:r>
+            <a:endParaRPr lang="pt-PT" dirty="0"/>
+          </a:p>
+        </p:txBody>
+      </p:sp>
+      <p:sp>
+        <p:nvSpPr>
+          <p:cNvPr id="9" name="CaixaDeTexto 8">
+            <a:extLst>
+              <a:ext uri="{FF2B5EF4-FFF2-40B4-BE49-F238E27FC236}">
+                <a16:creationId xmlns:a16="http://schemas.microsoft.com/office/drawing/2014/main" id="{7D5721BD-8F3D-478C-A94B-5D39BF163364}"/>
+              </a:ext>
+            </a:extLst>
+          </p:cNvPr>
+          <p:cNvSpPr txBox="1"/>
+          <p:nvPr/>
+        </p:nvSpPr>
+        <p:spPr>
+          <a:xfrm>
+            <a:off x="1625947" y="5898480"/>
+            <a:ext cx="3058037" cy="646331"/>
+          </a:xfrm>
+          <a:prstGeom prst="rect">
+            <a:avLst/>
+          </a:prstGeom>
+          <a:noFill/>
+        </p:spPr>
+        <p:txBody>
+          <a:bodyPr wrap="square" rtlCol="0">
+            <a:spAutoFit/>
+          </a:bodyPr>
+          <a:lstStyle/>
+          <a:p>
+            <a:r>
+              <a:rPr lang="pt-PT" dirty="0" err="1"/>
+              <a:t>Fig</a:t>
+            </a:r>
+            <a:r>
+              <a:rPr lang="pt-PT" dirty="0"/>
+              <a:t> 5. </a:t>
+            </a:r>
+            <a:r>
+              <a:rPr lang="pt-PT" dirty="0" err="1"/>
+              <a:t>Q-Learning</a:t>
+            </a:r>
+            <a:r>
+              <a:rPr lang="pt-PT" dirty="0"/>
+              <a:t> </a:t>
+            </a:r>
+            <a:r>
+              <a:rPr lang="pt-PT" dirty="0" err="1"/>
+              <a:t>with</a:t>
+            </a:r>
+            <a:endParaRPr lang="pt-PT" dirty="0"/>
+          </a:p>
+          <a:p>
+            <a:r>
+              <a:rPr lang="en-US" dirty="0"/>
+              <a:t>Training score over time: 8.424 </a:t>
+            </a:r>
+          </a:p>
+        </p:txBody>
+      </p:sp>
+      <p:pic>
+        <p:nvPicPr>
+          <p:cNvPr id="2062" name="Picture 14">
+            <a:extLst>
+              <a:ext uri="{FF2B5EF4-FFF2-40B4-BE49-F238E27FC236}">
+                <a16:creationId xmlns:a16="http://schemas.microsoft.com/office/drawing/2014/main" id="{4C90E61B-6365-45BD-92A0-12FF065558DA}"/>
+              </a:ext>
+            </a:extLst>
+          </p:cNvPr>
+          <p:cNvPicPr>
+            <a:picLocks noChangeAspect="1" noChangeArrowheads="1"/>
+          </p:cNvPicPr>
+          <p:nvPr/>
+        </p:nvPicPr>
+        <p:blipFill>
+          <a:blip r:embed="rId3">
+            <a:extLst>
+              <a:ext uri="{28A0092B-C50C-407E-A947-70E740481C1C}">
+                <a14:useLocalDpi xmlns:a14="http://schemas.microsoft.com/office/drawing/2010/main" val="0"/>
+              </a:ext>
+            </a:extLst>
+          </a:blip>
+          <a:srcRect/>
+          <a:stretch>
+            <a:fillRect/>
+          </a:stretch>
+        </p:blipFill>
+        <p:spPr bwMode="auto">
+          <a:xfrm>
+            <a:off x="6096000" y="3269788"/>
+            <a:ext cx="3724275" cy="2657475"/>
+          </a:xfrm>
+          <a:prstGeom prst="rect">
+            <a:avLst/>
+          </a:prstGeom>
+          <a:noFill/>
+          <a:extLst>
+            <a:ext uri="{909E8E84-426E-40DD-AFC4-6F175D3DCCD1}">
+              <a14:hiddenFill xmlns:a14="http://schemas.microsoft.com/office/drawing/2010/main">
+                <a:solidFill>
+                  <a:srgbClr val="FFFFFF"/>
+                </a:solidFill>
+              </a14:hiddenFill>
+            </a:ext>
+          </a:extLst>
+        </p:spPr>
+      </p:pic>
+      <p:pic>
+        <p:nvPicPr>
+          <p:cNvPr id="2064" name="Picture 16">
+            <a:extLst>
+              <a:ext uri="{FF2B5EF4-FFF2-40B4-BE49-F238E27FC236}">
+                <a16:creationId xmlns:a16="http://schemas.microsoft.com/office/drawing/2014/main" id="{0467B622-60C6-4D31-97DC-64EE49F481FA}"/>
+              </a:ext>
+            </a:extLst>
+          </p:cNvPr>
+          <p:cNvPicPr>
+            <a:picLocks noChangeAspect="1" noChangeArrowheads="1"/>
+          </p:cNvPicPr>
+          <p:nvPr/>
+        </p:nvPicPr>
+        <p:blipFill>
+          <a:blip r:embed="rId4">
+            <a:extLst>
+              <a:ext uri="{28A0092B-C50C-407E-A947-70E740481C1C}">
+                <a14:useLocalDpi xmlns:a14="http://schemas.microsoft.com/office/drawing/2010/main" val="0"/>
+              </a:ext>
+            </a:extLst>
+          </a:blip>
+          <a:srcRect/>
+          <a:stretch>
+            <a:fillRect/>
+          </a:stretch>
+        </p:blipFill>
+        <p:spPr bwMode="auto">
+          <a:xfrm>
+            <a:off x="1292828" y="3269788"/>
+            <a:ext cx="3724275" cy="2657475"/>
+          </a:xfrm>
+          <a:prstGeom prst="rect">
+            <a:avLst/>
+          </a:prstGeom>
+          <a:noFill/>
+          <a:extLst>
+            <a:ext uri="{909E8E84-426E-40DD-AFC4-6F175D3DCCD1}">
+              <a14:hiddenFill xmlns:a14="http://schemas.microsoft.com/office/drawing/2010/main">
+                <a:solidFill>
+                  <a:srgbClr val="FFFFFF"/>
+                </a:solidFill>
+              </a14:hiddenFill>
+            </a:ext>
+          </a:extLst>
+        </p:spPr>
+      </p:pic>
+    </p:spTree>
+    <p:extLst>
+      <p:ext uri="{BB962C8B-B14F-4D97-AF65-F5344CB8AC3E}">
+        <p14:creationId xmlns:p14="http://schemas.microsoft.com/office/powerpoint/2010/main" val="3067124122"/>
+      </p:ext>
+    </p:extLst>
+  </p:cSld>
+  <p:clrMapOvr>
+    <a:masterClrMapping/>
+  </p:clrMapOvr>
+</p:sld>
+</file>
+
+<file path=ppt/slides/slide11.xml><?xml version="1.0" encoding="utf-8"?>
+<p:sld xmlns:a="http://schemas.openxmlformats.org/drawingml/2006/main" xmlns:r="http://schemas.openxmlformats.org/officeDocument/2006/relationships" xmlns:p="http://schemas.openxmlformats.org/presentationml/2006/main">
+  <p:cSld>
+    <p:spTree>
+      <p:nvGrpSpPr>
+        <p:cNvPr id="1" name=""/>
+        <p:cNvGrpSpPr/>
+        <p:nvPr/>
+      </p:nvGrpSpPr>
+      <p:grpSpPr>
+        <a:xfrm>
+          <a:off x="0" y="0"/>
+          <a:ext cx="0" cy="0"/>
+          <a:chOff x="0" y="0"/>
+          <a:chExt cx="0" cy="0"/>
+        </a:xfrm>
+      </p:grpSpPr>
+      <p:sp>
+        <p:nvSpPr>
+          <p:cNvPr id="6" name="Título 1">
+            <a:extLst>
+              <a:ext uri="{FF2B5EF4-FFF2-40B4-BE49-F238E27FC236}">
+                <a16:creationId xmlns:a16="http://schemas.microsoft.com/office/drawing/2014/main" id="{6D71369E-7E9A-476A-8E42-16E130DB6ED2}"/>
+              </a:ext>
+            </a:extLst>
+          </p:cNvPr>
+          <p:cNvSpPr txBox="1">
+            <a:spLocks/>
+          </p:cNvSpPr>
+          <p:nvPr/>
+        </p:nvSpPr>
+        <p:spPr>
+          <a:xfrm>
+            <a:off x="559716" y="304800"/>
+            <a:ext cx="10515600" cy="1325563"/>
+          </a:xfrm>
+          <a:prstGeom prst="rect">
+            <a:avLst/>
+          </a:prstGeom>
+        </p:spPr>
+        <p:txBody>
+          <a:bodyPr vert="horz" lIns="91440" tIns="45720" rIns="91440" bIns="45720" rtlCol="0" anchor="ctr">
+            <a:normAutofit/>
+          </a:bodyPr>
+          <a:lstStyle>
+            <a:lvl1pPr algn="l" defTabSz="914400" rtl="0" eaLnBrk="1" latinLnBrk="0" hangingPunct="1">
+              <a:lnSpc>
+                <a:spcPct val="90000"/>
+              </a:lnSpc>
+              <a:spcBef>
+                <a:spcPct val="0"/>
+              </a:spcBef>
+              <a:buNone/>
+              <a:defRPr sz="4400" kern="1200">
+                <a:solidFill>
+                  <a:schemeClr val="tx1"/>
+                </a:solidFill>
+                <a:latin typeface="+mj-lt"/>
+                <a:ea typeface="+mj-ea"/>
+                <a:cs typeface="+mj-cs"/>
+              </a:defRPr>
+            </a:lvl1pPr>
+          </a:lstStyle>
+          <a:p>
+            <a:r>
+              <a:rPr lang="en-US" b="1" dirty="0">
+                <a:ea typeface="Roboto" pitchFamily="2" charset="0"/>
+              </a:rPr>
+              <a:t>Conclusions</a:t>
+            </a:r>
+            <a:endParaRPr lang="pt-PT" b="1" dirty="0">
+              <a:ea typeface="Roboto" pitchFamily="2" charset="0"/>
+            </a:endParaRPr>
+          </a:p>
+        </p:txBody>
+      </p:sp>
+      <p:sp>
+        <p:nvSpPr>
+          <p:cNvPr id="3" name="Marcador de Posição de Conteúdo 2">
+            <a:extLst>
+              <a:ext uri="{FF2B5EF4-FFF2-40B4-BE49-F238E27FC236}">
+                <a16:creationId xmlns:a16="http://schemas.microsoft.com/office/drawing/2014/main" id="{12DAE172-CE39-4574-A4E6-C9F5072FDC8D}"/>
+              </a:ext>
+            </a:extLst>
+          </p:cNvPr>
+          <p:cNvSpPr>
+            <a:spLocks noGrp="1"/>
+          </p:cNvSpPr>
+          <p:nvPr>
+            <p:ph idx="1"/>
+          </p:nvPr>
+        </p:nvSpPr>
+        <p:spPr>
+          <a:xfrm flipH="1">
+            <a:off x="559717" y="1953986"/>
+            <a:ext cx="10515599" cy="2950026"/>
+          </a:xfrm>
+        </p:spPr>
+        <p:txBody>
+          <a:bodyPr>
+            <a:normAutofit/>
+          </a:bodyPr>
+          <a:lstStyle/>
+          <a:p>
+            <a:pPr marL="0" indent="0">
+              <a:buNone/>
+            </a:pPr>
+            <a:r>
+              <a:rPr lang="pt-PT" sz="2400" dirty="0" err="1">
+                <a:ea typeface="Roboto" pitchFamily="2" charset="0"/>
+              </a:rPr>
+              <a:t>Altough</a:t>
+            </a:r>
+            <a:r>
+              <a:rPr lang="pt-PT" sz="2400" dirty="0">
+                <a:ea typeface="Roboto" pitchFamily="2" charset="0"/>
+              </a:rPr>
+              <a:t> a </a:t>
+            </a:r>
+            <a:r>
+              <a:rPr lang="pt-PT" sz="2400" dirty="0" err="1">
+                <a:ea typeface="Roboto" pitchFamily="2" charset="0"/>
+              </a:rPr>
+              <a:t>very</a:t>
+            </a:r>
+            <a:r>
+              <a:rPr lang="pt-PT" sz="2400" dirty="0">
+                <a:ea typeface="Roboto" pitchFamily="2" charset="0"/>
+              </a:rPr>
+              <a:t> </a:t>
+            </a:r>
+            <a:r>
+              <a:rPr lang="pt-PT" sz="2400" dirty="0" err="1">
+                <a:ea typeface="Roboto" pitchFamily="2" charset="0"/>
+              </a:rPr>
+              <a:t>simplified</a:t>
+            </a:r>
+            <a:r>
+              <a:rPr lang="pt-PT" sz="2400" dirty="0">
+                <a:ea typeface="Roboto" pitchFamily="2" charset="0"/>
+              </a:rPr>
+              <a:t> </a:t>
+            </a:r>
+            <a:r>
+              <a:rPr lang="pt-PT" sz="2400" dirty="0" err="1">
+                <a:ea typeface="Roboto" pitchFamily="2" charset="0"/>
+              </a:rPr>
+              <a:t>version</a:t>
+            </a:r>
+            <a:r>
+              <a:rPr lang="pt-PT" sz="2400" dirty="0">
+                <a:ea typeface="Roboto" pitchFamily="2" charset="0"/>
+              </a:rPr>
+              <a:t> </a:t>
+            </a:r>
+            <a:r>
+              <a:rPr lang="pt-PT" sz="2400" dirty="0" err="1">
+                <a:ea typeface="Roboto" pitchFamily="2" charset="0"/>
+              </a:rPr>
+              <a:t>of</a:t>
+            </a:r>
+            <a:r>
+              <a:rPr lang="pt-PT" sz="2400" dirty="0">
+                <a:ea typeface="Roboto" pitchFamily="2" charset="0"/>
+              </a:rPr>
+              <a:t> a RL </a:t>
+            </a:r>
+            <a:r>
+              <a:rPr lang="pt-PT" sz="2400" dirty="0" err="1">
+                <a:ea typeface="Roboto" pitchFamily="2" charset="0"/>
+              </a:rPr>
+              <a:t>problem</a:t>
+            </a:r>
+            <a:r>
+              <a:rPr lang="pt-PT" sz="2400" dirty="0">
+                <a:ea typeface="Roboto" pitchFamily="2" charset="0"/>
+              </a:rPr>
+              <a:t>, </a:t>
+            </a:r>
+            <a:r>
+              <a:rPr lang="pt-PT" sz="2400" dirty="0" err="1">
+                <a:ea typeface="Roboto" pitchFamily="2" charset="0"/>
+              </a:rPr>
+              <a:t>this</a:t>
+            </a:r>
+            <a:r>
+              <a:rPr lang="pt-PT" sz="2400" dirty="0">
+                <a:ea typeface="Roboto" pitchFamily="2" charset="0"/>
+              </a:rPr>
+              <a:t> </a:t>
+            </a:r>
+            <a:r>
+              <a:rPr lang="pt-PT" sz="2400" dirty="0" err="1">
+                <a:ea typeface="Roboto" pitchFamily="2" charset="0"/>
+              </a:rPr>
+              <a:t>project</a:t>
+            </a:r>
+            <a:r>
+              <a:rPr lang="pt-PT" sz="2400" dirty="0">
+                <a:ea typeface="Roboto" pitchFamily="2" charset="0"/>
+              </a:rPr>
+              <a:t> </a:t>
+            </a:r>
+            <a:r>
+              <a:rPr lang="pt-PT" sz="2400" dirty="0" err="1">
+                <a:ea typeface="Roboto" pitchFamily="2" charset="0"/>
+              </a:rPr>
+              <a:t>allowed</a:t>
+            </a:r>
+            <a:r>
+              <a:rPr lang="pt-PT" sz="2400" dirty="0">
+                <a:ea typeface="Roboto" pitchFamily="2" charset="0"/>
+              </a:rPr>
+              <a:t> </a:t>
+            </a:r>
+            <a:r>
+              <a:rPr lang="pt-PT" sz="2400" dirty="0" err="1">
+                <a:ea typeface="Roboto" pitchFamily="2" charset="0"/>
+              </a:rPr>
+              <a:t>us</a:t>
+            </a:r>
+            <a:r>
+              <a:rPr lang="pt-PT" sz="2400" dirty="0">
+                <a:ea typeface="Roboto" pitchFamily="2" charset="0"/>
+              </a:rPr>
+              <a:t> to </a:t>
+            </a:r>
+            <a:r>
+              <a:rPr lang="pt-PT" sz="2400" dirty="0" err="1">
+                <a:ea typeface="Roboto" pitchFamily="2" charset="0"/>
+              </a:rPr>
+              <a:t>learn</a:t>
+            </a:r>
+            <a:r>
+              <a:rPr lang="pt-PT" sz="2400" dirty="0">
+                <a:ea typeface="Roboto" pitchFamily="2" charset="0"/>
+              </a:rPr>
+              <a:t> more </a:t>
+            </a:r>
+            <a:r>
+              <a:rPr lang="pt-PT" sz="2400" dirty="0" err="1">
+                <a:ea typeface="Roboto" pitchFamily="2" charset="0"/>
+              </a:rPr>
+              <a:t>about</a:t>
+            </a:r>
+            <a:r>
+              <a:rPr lang="pt-PT" sz="2400" dirty="0">
+                <a:ea typeface="Roboto" pitchFamily="2" charset="0"/>
+              </a:rPr>
+              <a:t> </a:t>
+            </a:r>
+            <a:r>
+              <a:rPr lang="pt-PT" sz="2400" dirty="0" err="1">
+                <a:ea typeface="Roboto" pitchFamily="2" charset="0"/>
+              </a:rPr>
+              <a:t>the</a:t>
+            </a:r>
+            <a:r>
+              <a:rPr lang="pt-PT" sz="2400" dirty="0">
+                <a:ea typeface="Roboto" pitchFamily="2" charset="0"/>
+              </a:rPr>
+              <a:t> </a:t>
+            </a:r>
+            <a:r>
+              <a:rPr lang="pt-PT" sz="2400" dirty="0" err="1">
+                <a:ea typeface="Roboto" pitchFamily="2" charset="0"/>
+              </a:rPr>
+              <a:t>topic</a:t>
+            </a:r>
+            <a:r>
+              <a:rPr lang="pt-PT" sz="2400" dirty="0">
+                <a:ea typeface="Roboto" pitchFamily="2" charset="0"/>
+              </a:rPr>
+              <a:t> </a:t>
+            </a:r>
+            <a:r>
+              <a:rPr lang="pt-PT" sz="2400" dirty="0" err="1">
+                <a:ea typeface="Roboto" pitchFamily="2" charset="0"/>
+              </a:rPr>
+              <a:t>of</a:t>
+            </a:r>
+            <a:r>
+              <a:rPr lang="pt-PT" sz="2400" dirty="0">
+                <a:ea typeface="Roboto" pitchFamily="2" charset="0"/>
+              </a:rPr>
+              <a:t> </a:t>
+            </a:r>
+            <a:r>
+              <a:rPr lang="pt-PT" sz="2400" dirty="0" err="1">
+                <a:ea typeface="Roboto" pitchFamily="2" charset="0"/>
+              </a:rPr>
+              <a:t>Machine</a:t>
+            </a:r>
+            <a:r>
+              <a:rPr lang="pt-PT" sz="2400" dirty="0">
+                <a:ea typeface="Roboto" pitchFamily="2" charset="0"/>
+              </a:rPr>
+              <a:t> </a:t>
+            </a:r>
+            <a:r>
+              <a:rPr lang="pt-PT" sz="2400" dirty="0" err="1">
+                <a:ea typeface="Roboto" pitchFamily="2" charset="0"/>
+              </a:rPr>
+              <a:t>Learning</a:t>
+            </a:r>
+            <a:r>
+              <a:rPr lang="pt-PT" sz="2400" dirty="0">
+                <a:ea typeface="Roboto" pitchFamily="2" charset="0"/>
+              </a:rPr>
+              <a:t>.</a:t>
+            </a:r>
+          </a:p>
+          <a:p>
+            <a:pPr marL="0" indent="0">
+              <a:buNone/>
+            </a:pPr>
+            <a:r>
+              <a:rPr lang="pt-PT" sz="2400" dirty="0">
+                <a:ea typeface="Roboto" pitchFamily="2" charset="0"/>
+              </a:rPr>
+              <a:t>As for future </a:t>
+            </a:r>
+            <a:r>
+              <a:rPr lang="pt-PT" sz="2400" dirty="0" err="1">
+                <a:ea typeface="Roboto" pitchFamily="2" charset="0"/>
+              </a:rPr>
+              <a:t>work</a:t>
+            </a:r>
+            <a:r>
+              <a:rPr lang="pt-PT" sz="2400" dirty="0">
+                <a:ea typeface="Roboto" pitchFamily="2" charset="0"/>
+              </a:rPr>
+              <a:t>, </a:t>
+            </a:r>
+            <a:r>
+              <a:rPr lang="pt-PT" sz="2400" dirty="0" err="1">
+                <a:ea typeface="Roboto" pitchFamily="2" charset="0"/>
+              </a:rPr>
+              <a:t>we</a:t>
+            </a:r>
+            <a:r>
+              <a:rPr lang="pt-PT" sz="2400" dirty="0">
+                <a:ea typeface="Roboto" pitchFamily="2" charset="0"/>
+              </a:rPr>
+              <a:t> </a:t>
+            </a:r>
+            <a:r>
+              <a:rPr lang="pt-PT" sz="2400" dirty="0" err="1">
+                <a:ea typeface="Roboto" pitchFamily="2" charset="0"/>
+              </a:rPr>
+              <a:t>would’ve</a:t>
+            </a:r>
+            <a:r>
+              <a:rPr lang="pt-PT" sz="2400" dirty="0">
+                <a:ea typeface="Roboto" pitchFamily="2" charset="0"/>
+              </a:rPr>
+              <a:t> </a:t>
+            </a:r>
+            <a:r>
+              <a:rPr lang="pt-PT" sz="2400" dirty="0" err="1">
+                <a:ea typeface="Roboto" pitchFamily="2" charset="0"/>
+              </a:rPr>
+              <a:t>liked</a:t>
+            </a:r>
+            <a:r>
+              <a:rPr lang="pt-PT" sz="2400" dirty="0">
+                <a:ea typeface="Roboto" pitchFamily="2" charset="0"/>
+              </a:rPr>
+              <a:t> to </a:t>
+            </a:r>
+            <a:r>
+              <a:rPr lang="pt-PT" sz="2400" dirty="0" err="1">
+                <a:ea typeface="Roboto" pitchFamily="2" charset="0"/>
+              </a:rPr>
+              <a:t>create</a:t>
+            </a:r>
+            <a:r>
+              <a:rPr lang="pt-PT" sz="2400" dirty="0">
+                <a:ea typeface="Roboto" pitchFamily="2" charset="0"/>
+              </a:rPr>
+              <a:t> na </a:t>
+            </a:r>
+            <a:r>
+              <a:rPr lang="pt-PT" sz="2400" dirty="0" err="1">
+                <a:ea typeface="Roboto" pitchFamily="2" charset="0"/>
+              </a:rPr>
+              <a:t>abstraction</a:t>
+            </a:r>
+            <a:r>
+              <a:rPr lang="pt-PT" sz="2400" dirty="0">
+                <a:ea typeface="Roboto" pitchFamily="2" charset="0"/>
+              </a:rPr>
+              <a:t> </a:t>
+            </a:r>
+            <a:r>
+              <a:rPr lang="pt-PT" sz="2400" dirty="0" err="1">
+                <a:ea typeface="Roboto" pitchFamily="2" charset="0"/>
+              </a:rPr>
+              <a:t>of</a:t>
+            </a:r>
+            <a:r>
+              <a:rPr lang="pt-PT" sz="2400" dirty="0">
+                <a:ea typeface="Roboto" pitchFamily="2" charset="0"/>
+              </a:rPr>
+              <a:t> </a:t>
+            </a:r>
+            <a:r>
+              <a:rPr lang="pt-PT" sz="2400" dirty="0" err="1">
+                <a:ea typeface="Roboto" pitchFamily="2" charset="0"/>
+              </a:rPr>
+              <a:t>the</a:t>
+            </a:r>
+            <a:r>
+              <a:rPr lang="pt-PT" sz="2400" dirty="0">
+                <a:ea typeface="Roboto" pitchFamily="2" charset="0"/>
+              </a:rPr>
+              <a:t> puzzle, </a:t>
+            </a:r>
+            <a:r>
+              <a:rPr lang="pt-PT" sz="2400" dirty="0" err="1">
+                <a:ea typeface="Roboto" pitchFamily="2" charset="0"/>
+              </a:rPr>
+              <a:t>so</a:t>
+            </a:r>
+            <a:r>
+              <a:rPr lang="pt-PT" sz="2400" dirty="0">
+                <a:ea typeface="Roboto" pitchFamily="2" charset="0"/>
+              </a:rPr>
+              <a:t> </a:t>
+            </a:r>
+            <a:r>
+              <a:rPr lang="pt-PT" sz="2400" dirty="0" err="1">
+                <a:ea typeface="Roboto" pitchFamily="2" charset="0"/>
+              </a:rPr>
+              <a:t>that</a:t>
+            </a:r>
+            <a:r>
+              <a:rPr lang="pt-PT" sz="2400" dirty="0">
+                <a:ea typeface="Roboto" pitchFamily="2" charset="0"/>
+              </a:rPr>
+              <a:t> </a:t>
+            </a:r>
+            <a:r>
+              <a:rPr lang="pt-PT" sz="2400" dirty="0" err="1">
+                <a:ea typeface="Roboto" pitchFamily="2" charset="0"/>
+              </a:rPr>
+              <a:t>we</a:t>
+            </a:r>
+            <a:r>
+              <a:rPr lang="pt-PT" sz="2400" dirty="0">
+                <a:ea typeface="Roboto" pitchFamily="2" charset="0"/>
+              </a:rPr>
+              <a:t> </a:t>
+            </a:r>
+            <a:r>
+              <a:rPr lang="pt-PT" sz="2400" dirty="0" err="1">
+                <a:ea typeface="Roboto" pitchFamily="2" charset="0"/>
+              </a:rPr>
+              <a:t>could</a:t>
+            </a:r>
+            <a:r>
+              <a:rPr lang="pt-PT" sz="2400" dirty="0">
+                <a:ea typeface="Roboto" pitchFamily="2" charset="0"/>
+              </a:rPr>
+              <a:t> “</a:t>
+            </a:r>
+            <a:r>
+              <a:rPr lang="pt-PT" sz="2400" dirty="0" err="1">
+                <a:ea typeface="Roboto" pitchFamily="2" charset="0"/>
+              </a:rPr>
+              <a:t>feed</a:t>
+            </a:r>
+            <a:r>
+              <a:rPr lang="pt-PT" sz="2400" dirty="0">
+                <a:ea typeface="Roboto" pitchFamily="2" charset="0"/>
+              </a:rPr>
+              <a:t>” </a:t>
+            </a:r>
+            <a:r>
+              <a:rPr lang="pt-PT" sz="2400" dirty="0" err="1">
+                <a:ea typeface="Roboto" pitchFamily="2" charset="0"/>
+              </a:rPr>
+              <a:t>our</a:t>
+            </a:r>
+            <a:r>
+              <a:rPr lang="pt-PT" sz="2400" dirty="0">
+                <a:ea typeface="Roboto" pitchFamily="2" charset="0"/>
+              </a:rPr>
+              <a:t> </a:t>
+            </a:r>
+            <a:r>
+              <a:rPr lang="pt-PT" sz="2400" dirty="0" err="1">
+                <a:ea typeface="Roboto" pitchFamily="2" charset="0"/>
+              </a:rPr>
+              <a:t>agent</a:t>
+            </a:r>
+            <a:r>
+              <a:rPr lang="pt-PT" sz="2400" dirty="0">
+                <a:ea typeface="Roboto" pitchFamily="2" charset="0"/>
+              </a:rPr>
+              <a:t> </a:t>
+            </a:r>
+            <a:r>
+              <a:rPr lang="pt-PT" sz="2400" dirty="0" err="1">
+                <a:ea typeface="Roboto" pitchFamily="2" charset="0"/>
+              </a:rPr>
+              <a:t>with</a:t>
+            </a:r>
+            <a:r>
+              <a:rPr lang="pt-PT" sz="2400" dirty="0">
+                <a:ea typeface="Roboto" pitchFamily="2" charset="0"/>
+              </a:rPr>
+              <a:t> </a:t>
+            </a:r>
+            <a:r>
+              <a:rPr lang="pt-PT" sz="2400" dirty="0" err="1">
+                <a:ea typeface="Roboto" pitchFamily="2" charset="0"/>
+              </a:rPr>
+              <a:t>various</a:t>
+            </a:r>
+            <a:r>
+              <a:rPr lang="pt-PT" sz="2400" dirty="0">
+                <a:ea typeface="Roboto" pitchFamily="2" charset="0"/>
+              </a:rPr>
+              <a:t> </a:t>
+            </a:r>
+            <a:r>
+              <a:rPr lang="pt-PT" sz="2400" dirty="0" err="1">
+                <a:ea typeface="Roboto" pitchFamily="2" charset="0"/>
+              </a:rPr>
+              <a:t>configurations</a:t>
+            </a:r>
+            <a:r>
+              <a:rPr lang="pt-PT" sz="2400" dirty="0">
+                <a:ea typeface="Roboto" pitchFamily="2" charset="0"/>
+              </a:rPr>
+              <a:t> </a:t>
+            </a:r>
+            <a:r>
+              <a:rPr lang="pt-PT" sz="2400" dirty="0" err="1">
+                <a:ea typeface="Roboto" pitchFamily="2" charset="0"/>
+              </a:rPr>
+              <a:t>of</a:t>
+            </a:r>
+            <a:r>
+              <a:rPr lang="pt-PT" sz="2400" dirty="0">
+                <a:ea typeface="Roboto" pitchFamily="2" charset="0"/>
+              </a:rPr>
+              <a:t> </a:t>
+            </a:r>
+            <a:r>
+              <a:rPr lang="pt-PT" sz="2400" dirty="0" err="1">
+                <a:ea typeface="Roboto" pitchFamily="2" charset="0"/>
+              </a:rPr>
+              <a:t>the</a:t>
+            </a:r>
+            <a:r>
+              <a:rPr lang="pt-PT" sz="2400" dirty="0">
+                <a:ea typeface="Roboto" pitchFamily="2" charset="0"/>
+              </a:rPr>
+              <a:t> puzzle </a:t>
+            </a:r>
+            <a:r>
+              <a:rPr lang="pt-PT" sz="2400" dirty="0" err="1">
+                <a:ea typeface="Roboto" pitchFamily="2" charset="0"/>
+              </a:rPr>
+              <a:t>and</a:t>
+            </a:r>
+            <a:r>
+              <a:rPr lang="pt-PT" sz="2400" dirty="0">
+                <a:ea typeface="Roboto" pitchFamily="2" charset="0"/>
+              </a:rPr>
+              <a:t> </a:t>
+            </a:r>
+            <a:r>
+              <a:rPr lang="pt-PT" sz="2400" dirty="0" err="1">
+                <a:ea typeface="Roboto" pitchFamily="2" charset="0"/>
+              </a:rPr>
+              <a:t>it</a:t>
+            </a:r>
+            <a:r>
+              <a:rPr lang="pt-PT" sz="2400" dirty="0">
+                <a:ea typeface="Roboto" pitchFamily="2" charset="0"/>
+              </a:rPr>
+              <a:t> </a:t>
+            </a:r>
+            <a:r>
+              <a:rPr lang="pt-PT" sz="2400" dirty="0" err="1">
+                <a:ea typeface="Roboto" pitchFamily="2" charset="0"/>
+              </a:rPr>
+              <a:t>would</a:t>
+            </a:r>
+            <a:r>
+              <a:rPr lang="pt-PT" sz="2400" dirty="0">
+                <a:ea typeface="Roboto" pitchFamily="2" charset="0"/>
+              </a:rPr>
+              <a:t> </a:t>
+            </a:r>
+            <a:r>
+              <a:rPr lang="pt-PT" sz="2400" dirty="0" err="1">
+                <a:ea typeface="Roboto" pitchFamily="2" charset="0"/>
+              </a:rPr>
+              <a:t>be</a:t>
+            </a:r>
+            <a:r>
+              <a:rPr lang="pt-PT" sz="2400" dirty="0">
+                <a:ea typeface="Roboto" pitchFamily="2" charset="0"/>
+              </a:rPr>
+              <a:t> </a:t>
+            </a:r>
+            <a:r>
+              <a:rPr lang="pt-PT" sz="2400" dirty="0" err="1">
+                <a:ea typeface="Roboto" pitchFamily="2" charset="0"/>
+              </a:rPr>
+              <a:t>capable</a:t>
+            </a:r>
+            <a:r>
+              <a:rPr lang="pt-PT" sz="2400" dirty="0">
+                <a:ea typeface="Roboto" pitchFamily="2" charset="0"/>
+              </a:rPr>
+              <a:t> </a:t>
+            </a:r>
+            <a:r>
+              <a:rPr lang="pt-PT" sz="2400" dirty="0" err="1">
+                <a:ea typeface="Roboto" pitchFamily="2" charset="0"/>
+              </a:rPr>
+              <a:t>of</a:t>
+            </a:r>
+            <a:r>
+              <a:rPr lang="pt-PT" sz="2400" dirty="0">
+                <a:ea typeface="Roboto" pitchFamily="2" charset="0"/>
+              </a:rPr>
+              <a:t> </a:t>
+            </a:r>
+            <a:r>
+              <a:rPr lang="pt-PT" sz="2400" dirty="0" err="1">
+                <a:ea typeface="Roboto" pitchFamily="2" charset="0"/>
+              </a:rPr>
+              <a:t>solving</a:t>
+            </a:r>
+            <a:r>
+              <a:rPr lang="pt-PT" sz="2400" dirty="0">
+                <a:ea typeface="Roboto" pitchFamily="2" charset="0"/>
+              </a:rPr>
+              <a:t> </a:t>
+            </a:r>
+            <a:r>
+              <a:rPr lang="pt-PT" sz="2400" dirty="0" err="1">
+                <a:ea typeface="Roboto" pitchFamily="2" charset="0"/>
+              </a:rPr>
+              <a:t>them</a:t>
+            </a:r>
+            <a:r>
+              <a:rPr lang="pt-PT" sz="2400" dirty="0">
+                <a:ea typeface="Roboto" pitchFamily="2" charset="0"/>
+              </a:rPr>
+              <a:t>.</a:t>
+            </a:r>
+          </a:p>
+        </p:txBody>
+      </p:sp>
+      <p:sp>
+        <p:nvSpPr>
+          <p:cNvPr id="4" name="Retângulo 3">
+            <a:extLst>
+              <a:ext uri="{FF2B5EF4-FFF2-40B4-BE49-F238E27FC236}">
+                <a16:creationId xmlns:a16="http://schemas.microsoft.com/office/drawing/2014/main" id="{90B6A4EF-9E53-46D5-92DA-6EFB0024E853}"/>
+              </a:ext>
+            </a:extLst>
+          </p:cNvPr>
+          <p:cNvSpPr/>
+          <p:nvPr/>
+        </p:nvSpPr>
+        <p:spPr>
+          <a:xfrm>
+            <a:off x="0" y="-35351"/>
+            <a:ext cx="216816" cy="6928701"/>
+          </a:xfrm>
+          <a:prstGeom prst="rect">
+            <a:avLst/>
+          </a:prstGeom>
+        </p:spPr>
+        <p:style>
+          <a:lnRef idx="2">
+            <a:schemeClr val="accent1">
+              <a:shade val="50000"/>
+            </a:schemeClr>
+          </a:lnRef>
+          <a:fillRef idx="1">
+            <a:schemeClr val="accent1"/>
+          </a:fillRef>
+          <a:effectRef idx="0">
+            <a:schemeClr val="accent1"/>
+          </a:effectRef>
+          <a:fontRef idx="minor">
+            <a:schemeClr val="lt1"/>
+          </a:fontRef>
+        </p:style>
+        <p:txBody>
+          <a:bodyPr rtlCol="0" anchor="ctr"/>
+          <a:lstStyle/>
+          <a:p>
+            <a:pPr algn="ctr"/>
+            <a:endParaRPr lang="en-GB"/>
+          </a:p>
+        </p:txBody>
+      </p:sp>
+      <p:pic>
+        <p:nvPicPr>
+          <p:cNvPr id="5" name="Imagem 4">
+            <a:extLst>
+              <a:ext uri="{FF2B5EF4-FFF2-40B4-BE49-F238E27FC236}">
+                <a16:creationId xmlns:a16="http://schemas.microsoft.com/office/drawing/2014/main" id="{7BA3DCCD-3276-4287-9AC3-EF4C6F38A372}"/>
+              </a:ext>
+            </a:extLst>
+          </p:cNvPr>
+          <p:cNvPicPr>
+            <a:picLocks noChangeAspect="1"/>
+          </p:cNvPicPr>
+          <p:nvPr/>
+        </p:nvPicPr>
+        <p:blipFill>
+          <a:blip r:embed="rId2">
+            <a:extLst>
+              <a:ext uri="{28A0092B-C50C-407E-A947-70E740481C1C}">
+                <a14:useLocalDpi xmlns:a14="http://schemas.microsoft.com/office/drawing/2010/main" val="0"/>
+              </a:ext>
+            </a:extLst>
+          </a:blip>
+          <a:stretch>
+            <a:fillRect/>
+          </a:stretch>
+        </p:blipFill>
+        <p:spPr>
+          <a:xfrm>
+            <a:off x="9856198" y="5937007"/>
+            <a:ext cx="1776086" cy="616193"/>
+          </a:xfrm>
+          <a:prstGeom prst="rect">
+            <a:avLst/>
+          </a:prstGeom>
+        </p:spPr>
+      </p:pic>
+    </p:spTree>
+    <p:extLst>
+      <p:ext uri="{BB962C8B-B14F-4D97-AF65-F5344CB8AC3E}">
+        <p14:creationId xmlns:p14="http://schemas.microsoft.com/office/powerpoint/2010/main" val="1271941701"/>
+      </p:ext>
+    </p:extLst>
+  </p:cSld>
+  <p:clrMapOvr>
+    <a:masterClrMapping/>
+  </p:clrMapOvr>
+</p:sld>
+</file>
+
 <file path=ppt/slides/slide2.xml><?xml version="1.0" encoding="utf-8"?>
 <p:sld xmlns:a="http://schemas.openxmlformats.org/drawingml/2006/main" xmlns:r="http://schemas.openxmlformats.org/officeDocument/2006/relationships" xmlns:p="http://schemas.openxmlformats.org/presentationml/2006/main">
   <p:cSld>
@@ -4353,7 +5989,7 @@
               <a:rPr lang="en-US" b="1" dirty="0">
                 <a:ea typeface="Roboto" pitchFamily="2" charset="0"/>
               </a:rPr>
-              <a:t>Formulation of the problem as an ML problem</a:t>
+              <a:t>Formulation of the problem as a RL problem</a:t>
             </a:r>
             <a:endParaRPr lang="pt-PT" b="1" dirty="0">
               <a:ea typeface="Roboto" pitchFamily="2" charset="0"/>
@@ -6857,7 +8493,7 @@
               <a:rPr lang="en-US" sz="2400" dirty="0">
                 <a:ea typeface="Roboto" pitchFamily="2" charset="0"/>
               </a:rPr>
-              <a:t> - Since the action and the observation space of the puzzle are both discrete, the policies to be implemented are: Monte Carlo, Q-Learning and SARSA</a:t>
+              <a:t> - Since the action and the observation space of the puzzle are both discrete, the policies to be implemented are Q-Learning and SARSA</a:t>
             </a:r>
             <a:br>
               <a:rPr lang="en-US" dirty="0">
@@ -7573,6 +9209,1631 @@
     <p:extLst>
       <p:ext uri="{BB962C8B-B14F-4D97-AF65-F5344CB8AC3E}">
         <p14:creationId xmlns:p14="http://schemas.microsoft.com/office/powerpoint/2010/main" val="4173296900"/>
+      </p:ext>
+    </p:extLst>
+  </p:cSld>
+  <p:clrMapOvr>
+    <a:masterClrMapping/>
+  </p:clrMapOvr>
+</p:sld>
+</file>
+
+<file path=ppt/slides/slide7.xml><?xml version="1.0" encoding="utf-8"?>
+<p:sld xmlns:a="http://schemas.openxmlformats.org/drawingml/2006/main" xmlns:r="http://schemas.openxmlformats.org/officeDocument/2006/relationships" xmlns:p="http://schemas.openxmlformats.org/presentationml/2006/main">
+  <p:cSld>
+    <p:spTree>
+      <p:nvGrpSpPr>
+        <p:cNvPr id="1" name=""/>
+        <p:cNvGrpSpPr/>
+        <p:nvPr/>
+      </p:nvGrpSpPr>
+      <p:grpSpPr>
+        <a:xfrm>
+          <a:off x="0" y="0"/>
+          <a:ext cx="0" cy="0"/>
+          <a:chOff x="0" y="0"/>
+          <a:chExt cx="0" cy="0"/>
+        </a:xfrm>
+      </p:grpSpPr>
+      <p:sp>
+        <p:nvSpPr>
+          <p:cNvPr id="6" name="Título 1">
+            <a:extLst>
+              <a:ext uri="{FF2B5EF4-FFF2-40B4-BE49-F238E27FC236}">
+                <a16:creationId xmlns:a16="http://schemas.microsoft.com/office/drawing/2014/main" id="{6D71369E-7E9A-476A-8E42-16E130DB6ED2}"/>
+              </a:ext>
+            </a:extLst>
+          </p:cNvPr>
+          <p:cNvSpPr txBox="1">
+            <a:spLocks/>
+          </p:cNvSpPr>
+          <p:nvPr/>
+        </p:nvSpPr>
+        <p:spPr>
+          <a:xfrm>
+            <a:off x="559716" y="304800"/>
+            <a:ext cx="10515600" cy="1325563"/>
+          </a:xfrm>
+          <a:prstGeom prst="rect">
+            <a:avLst/>
+          </a:prstGeom>
+        </p:spPr>
+        <p:txBody>
+          <a:bodyPr vert="horz" lIns="91440" tIns="45720" rIns="91440" bIns="45720" rtlCol="0" anchor="ctr">
+            <a:normAutofit/>
+          </a:bodyPr>
+          <a:lstStyle>
+            <a:lvl1pPr algn="l" defTabSz="914400" rtl="0" eaLnBrk="1" latinLnBrk="0" hangingPunct="1">
+              <a:lnSpc>
+                <a:spcPct val="90000"/>
+              </a:lnSpc>
+              <a:spcBef>
+                <a:spcPct val="0"/>
+              </a:spcBef>
+              <a:buNone/>
+              <a:defRPr sz="4400" kern="1200">
+                <a:solidFill>
+                  <a:schemeClr val="tx1"/>
+                </a:solidFill>
+                <a:latin typeface="+mj-lt"/>
+                <a:ea typeface="+mj-ea"/>
+                <a:cs typeface="+mj-cs"/>
+              </a:defRPr>
+            </a:lvl1pPr>
+          </a:lstStyle>
+          <a:p>
+            <a:r>
+              <a:rPr lang="en-US" b="1" dirty="0">
+                <a:ea typeface="Roboto" pitchFamily="2" charset="0"/>
+              </a:rPr>
+              <a:t>Models</a:t>
+            </a:r>
+            <a:endParaRPr lang="pt-PT" b="1" dirty="0">
+              <a:ea typeface="Roboto" pitchFamily="2" charset="0"/>
+            </a:endParaRPr>
+          </a:p>
+        </p:txBody>
+      </p:sp>
+      <p:sp>
+        <p:nvSpPr>
+          <p:cNvPr id="3" name="Marcador de Posição de Conteúdo 2">
+            <a:extLst>
+              <a:ext uri="{FF2B5EF4-FFF2-40B4-BE49-F238E27FC236}">
+                <a16:creationId xmlns:a16="http://schemas.microsoft.com/office/drawing/2014/main" id="{12DAE172-CE39-4574-A4E6-C9F5072FDC8D}"/>
+              </a:ext>
+            </a:extLst>
+          </p:cNvPr>
+          <p:cNvSpPr>
+            <a:spLocks noGrp="1"/>
+          </p:cNvSpPr>
+          <p:nvPr>
+            <p:ph idx="1"/>
+          </p:nvPr>
+        </p:nvSpPr>
+        <p:spPr>
+          <a:xfrm flipH="1">
+            <a:off x="559717" y="1953986"/>
+            <a:ext cx="10515599" cy="2950026"/>
+          </a:xfrm>
+        </p:spPr>
+        <p:txBody>
+          <a:bodyPr>
+            <a:normAutofit/>
+          </a:bodyPr>
+          <a:lstStyle/>
+          <a:p>
+            <a:pPr marL="0" indent="0">
+              <a:buNone/>
+            </a:pPr>
+            <a:r>
+              <a:rPr lang="pt-PT" sz="2400" dirty="0">
+                <a:ea typeface="Roboto" pitchFamily="2" charset="0"/>
+              </a:rPr>
+              <a:t>As </a:t>
+            </a:r>
+            <a:r>
+              <a:rPr lang="pt-PT" sz="2400" dirty="0" err="1">
+                <a:ea typeface="Roboto" pitchFamily="2" charset="0"/>
+              </a:rPr>
+              <a:t>previously</a:t>
+            </a:r>
+            <a:r>
+              <a:rPr lang="pt-PT" sz="2400" dirty="0">
+                <a:ea typeface="Roboto" pitchFamily="2" charset="0"/>
+              </a:rPr>
+              <a:t> </a:t>
+            </a:r>
+            <a:r>
+              <a:rPr lang="pt-PT" sz="2400" dirty="0" err="1">
+                <a:ea typeface="Roboto" pitchFamily="2" charset="0"/>
+              </a:rPr>
+              <a:t>stated</a:t>
+            </a:r>
+            <a:r>
+              <a:rPr lang="pt-PT" sz="2400" dirty="0">
+                <a:ea typeface="Roboto" pitchFamily="2" charset="0"/>
+              </a:rPr>
+              <a:t>, </a:t>
+            </a:r>
+            <a:r>
+              <a:rPr lang="pt-PT" sz="2400" dirty="0" err="1">
+                <a:ea typeface="Roboto" pitchFamily="2" charset="0"/>
+              </a:rPr>
+              <a:t>both</a:t>
+            </a:r>
+            <a:r>
+              <a:rPr lang="pt-PT" sz="2400" dirty="0">
+                <a:ea typeface="Roboto" pitchFamily="2" charset="0"/>
+              </a:rPr>
+              <a:t> </a:t>
+            </a:r>
+            <a:r>
+              <a:rPr lang="pt-PT" sz="2400" dirty="0" err="1">
+                <a:ea typeface="Roboto" pitchFamily="2" charset="0"/>
+              </a:rPr>
+              <a:t>the</a:t>
+            </a:r>
+            <a:r>
+              <a:rPr lang="pt-PT" sz="2400" dirty="0">
+                <a:ea typeface="Roboto" pitchFamily="2" charset="0"/>
+              </a:rPr>
+              <a:t> </a:t>
+            </a:r>
+            <a:r>
+              <a:rPr lang="pt-PT" sz="2400" dirty="0" err="1">
+                <a:ea typeface="Roboto" pitchFamily="2" charset="0"/>
+              </a:rPr>
+              <a:t>Action</a:t>
+            </a:r>
+            <a:r>
+              <a:rPr lang="pt-PT" sz="2400" dirty="0">
+                <a:ea typeface="Roboto" pitchFamily="2" charset="0"/>
+              </a:rPr>
+              <a:t> </a:t>
+            </a:r>
+            <a:r>
+              <a:rPr lang="pt-PT" sz="2400" dirty="0" err="1">
+                <a:ea typeface="Roboto" pitchFamily="2" charset="0"/>
+              </a:rPr>
+              <a:t>and</a:t>
+            </a:r>
+            <a:r>
+              <a:rPr lang="pt-PT" sz="2400" dirty="0">
+                <a:ea typeface="Roboto" pitchFamily="2" charset="0"/>
+              </a:rPr>
+              <a:t> </a:t>
+            </a:r>
+            <a:r>
+              <a:rPr lang="pt-PT" sz="2400" dirty="0" err="1">
+                <a:ea typeface="Roboto" pitchFamily="2" charset="0"/>
+              </a:rPr>
+              <a:t>the</a:t>
+            </a:r>
+            <a:r>
+              <a:rPr lang="pt-PT" sz="2400" dirty="0">
+                <a:ea typeface="Roboto" pitchFamily="2" charset="0"/>
+              </a:rPr>
+              <a:t> </a:t>
+            </a:r>
+            <a:r>
+              <a:rPr lang="pt-PT" sz="2400" dirty="0" err="1">
+                <a:ea typeface="Roboto" pitchFamily="2" charset="0"/>
+              </a:rPr>
+              <a:t>Observation</a:t>
+            </a:r>
+            <a:r>
+              <a:rPr lang="pt-PT" sz="2400" dirty="0">
+                <a:ea typeface="Roboto" pitchFamily="2" charset="0"/>
+              </a:rPr>
+              <a:t> </a:t>
+            </a:r>
+            <a:r>
+              <a:rPr lang="pt-PT" sz="2400" dirty="0" err="1">
+                <a:ea typeface="Roboto" pitchFamily="2" charset="0"/>
+              </a:rPr>
+              <a:t>Space</a:t>
+            </a:r>
+            <a:r>
+              <a:rPr lang="pt-PT" sz="2400" dirty="0">
+                <a:ea typeface="Roboto" pitchFamily="2" charset="0"/>
+              </a:rPr>
+              <a:t> are </a:t>
+            </a:r>
+            <a:r>
+              <a:rPr lang="pt-PT" sz="2400" dirty="0" err="1">
+                <a:ea typeface="Roboto" pitchFamily="2" charset="0"/>
+              </a:rPr>
+              <a:t>discrete</a:t>
+            </a:r>
+            <a:r>
+              <a:rPr lang="pt-PT" sz="2400" dirty="0">
+                <a:ea typeface="Roboto" pitchFamily="2" charset="0"/>
+              </a:rPr>
+              <a:t>. </a:t>
+            </a:r>
+            <a:r>
+              <a:rPr lang="pt-PT" sz="2400" dirty="0" err="1">
+                <a:ea typeface="Roboto" pitchFamily="2" charset="0"/>
+              </a:rPr>
+              <a:t>Therefore</a:t>
+            </a:r>
+            <a:r>
+              <a:rPr lang="pt-PT" sz="2400" dirty="0">
+                <a:ea typeface="Roboto" pitchFamily="2" charset="0"/>
+              </a:rPr>
+              <a:t>, </a:t>
+            </a:r>
+            <a:r>
+              <a:rPr lang="pt-PT" sz="2400" dirty="0" err="1">
+                <a:ea typeface="Roboto" pitchFamily="2" charset="0"/>
+              </a:rPr>
+              <a:t>we</a:t>
+            </a:r>
+            <a:r>
+              <a:rPr lang="pt-PT" sz="2400" dirty="0">
+                <a:ea typeface="Roboto" pitchFamily="2" charset="0"/>
+              </a:rPr>
+              <a:t> can </a:t>
+            </a:r>
+            <a:r>
+              <a:rPr lang="pt-PT" sz="2400" dirty="0" err="1">
+                <a:ea typeface="Roboto" pitchFamily="2" charset="0"/>
+              </a:rPr>
+              <a:t>apply</a:t>
+            </a:r>
+            <a:r>
+              <a:rPr lang="pt-PT" sz="2400" dirty="0">
+                <a:ea typeface="Roboto" pitchFamily="2" charset="0"/>
+              </a:rPr>
+              <a:t> </a:t>
+            </a:r>
+            <a:r>
+              <a:rPr lang="pt-PT" sz="2400" dirty="0" err="1">
+                <a:ea typeface="Roboto" pitchFamily="2" charset="0"/>
+              </a:rPr>
+              <a:t>Q-Learning</a:t>
+            </a:r>
+            <a:r>
+              <a:rPr lang="pt-PT" sz="2400" dirty="0">
+                <a:ea typeface="Roboto" pitchFamily="2" charset="0"/>
+              </a:rPr>
+              <a:t> </a:t>
+            </a:r>
+            <a:r>
+              <a:rPr lang="pt-PT" sz="2400" dirty="0" err="1">
+                <a:ea typeface="Roboto" pitchFamily="2" charset="0"/>
+              </a:rPr>
+              <a:t>and</a:t>
+            </a:r>
+            <a:r>
+              <a:rPr lang="pt-PT" sz="2400" dirty="0">
+                <a:ea typeface="Roboto" pitchFamily="2" charset="0"/>
+              </a:rPr>
+              <a:t> SARSA to </a:t>
+            </a:r>
+            <a:r>
+              <a:rPr lang="pt-PT" sz="2400" dirty="0" err="1">
+                <a:ea typeface="Roboto" pitchFamily="2" charset="0"/>
+              </a:rPr>
+              <a:t>our</a:t>
+            </a:r>
+            <a:r>
+              <a:rPr lang="pt-PT" sz="2400" dirty="0">
+                <a:ea typeface="Roboto" pitchFamily="2" charset="0"/>
+              </a:rPr>
+              <a:t> RL </a:t>
+            </a:r>
+            <a:r>
+              <a:rPr lang="pt-PT" sz="2400" dirty="0" err="1">
+                <a:ea typeface="Roboto" pitchFamily="2" charset="0"/>
+              </a:rPr>
+              <a:t>problem</a:t>
+            </a:r>
+            <a:r>
+              <a:rPr lang="pt-PT" sz="2400" dirty="0">
+                <a:ea typeface="Roboto" pitchFamily="2" charset="0"/>
+              </a:rPr>
+              <a:t>. </a:t>
+            </a:r>
+            <a:r>
+              <a:rPr lang="pt-PT" sz="2400" dirty="0" err="1">
+                <a:ea typeface="Roboto" pitchFamily="2" charset="0"/>
+              </a:rPr>
+              <a:t>These</a:t>
+            </a:r>
+            <a:r>
+              <a:rPr lang="pt-PT" sz="2400" dirty="0">
+                <a:ea typeface="Roboto" pitchFamily="2" charset="0"/>
+              </a:rPr>
+              <a:t> </a:t>
+            </a:r>
+            <a:r>
+              <a:rPr lang="pt-PT" sz="2400" dirty="0" err="1">
+                <a:ea typeface="Roboto" pitchFamily="2" charset="0"/>
+              </a:rPr>
+              <a:t>algorithms</a:t>
+            </a:r>
+            <a:r>
+              <a:rPr lang="pt-PT" sz="2400" dirty="0">
+                <a:ea typeface="Roboto" pitchFamily="2" charset="0"/>
+              </a:rPr>
+              <a:t> are </a:t>
+            </a:r>
+            <a:r>
+              <a:rPr lang="pt-PT" sz="2400" dirty="0" err="1">
+                <a:ea typeface="Roboto" pitchFamily="2" charset="0"/>
+              </a:rPr>
+              <a:t>Model</a:t>
+            </a:r>
+            <a:r>
+              <a:rPr lang="pt-PT" sz="2400" dirty="0">
+                <a:ea typeface="Roboto" pitchFamily="2" charset="0"/>
+              </a:rPr>
+              <a:t>-Free.</a:t>
+            </a:r>
+          </a:p>
+        </p:txBody>
+      </p:sp>
+      <p:sp>
+        <p:nvSpPr>
+          <p:cNvPr id="4" name="Retângulo 3">
+            <a:extLst>
+              <a:ext uri="{FF2B5EF4-FFF2-40B4-BE49-F238E27FC236}">
+                <a16:creationId xmlns:a16="http://schemas.microsoft.com/office/drawing/2014/main" id="{90B6A4EF-9E53-46D5-92DA-6EFB0024E853}"/>
+              </a:ext>
+            </a:extLst>
+          </p:cNvPr>
+          <p:cNvSpPr/>
+          <p:nvPr/>
+        </p:nvSpPr>
+        <p:spPr>
+          <a:xfrm>
+            <a:off x="0" y="-35351"/>
+            <a:ext cx="216816" cy="6928701"/>
+          </a:xfrm>
+          <a:prstGeom prst="rect">
+            <a:avLst/>
+          </a:prstGeom>
+        </p:spPr>
+        <p:style>
+          <a:lnRef idx="2">
+            <a:schemeClr val="accent1">
+              <a:shade val="50000"/>
+            </a:schemeClr>
+          </a:lnRef>
+          <a:fillRef idx="1">
+            <a:schemeClr val="accent1"/>
+          </a:fillRef>
+          <a:effectRef idx="0">
+            <a:schemeClr val="accent1"/>
+          </a:effectRef>
+          <a:fontRef idx="minor">
+            <a:schemeClr val="lt1"/>
+          </a:fontRef>
+        </p:style>
+        <p:txBody>
+          <a:bodyPr rtlCol="0" anchor="ctr"/>
+          <a:lstStyle/>
+          <a:p>
+            <a:pPr algn="ctr"/>
+            <a:endParaRPr lang="en-GB"/>
+          </a:p>
+        </p:txBody>
+      </p:sp>
+      <p:pic>
+        <p:nvPicPr>
+          <p:cNvPr id="5" name="Imagem 4">
+            <a:extLst>
+              <a:ext uri="{FF2B5EF4-FFF2-40B4-BE49-F238E27FC236}">
+                <a16:creationId xmlns:a16="http://schemas.microsoft.com/office/drawing/2014/main" id="{7BA3DCCD-3276-4287-9AC3-EF4C6F38A372}"/>
+              </a:ext>
+            </a:extLst>
+          </p:cNvPr>
+          <p:cNvPicPr>
+            <a:picLocks noChangeAspect="1"/>
+          </p:cNvPicPr>
+          <p:nvPr/>
+        </p:nvPicPr>
+        <p:blipFill>
+          <a:blip r:embed="rId2">
+            <a:extLst>
+              <a:ext uri="{28A0092B-C50C-407E-A947-70E740481C1C}">
+                <a14:useLocalDpi xmlns:a14="http://schemas.microsoft.com/office/drawing/2010/main" val="0"/>
+              </a:ext>
+            </a:extLst>
+          </a:blip>
+          <a:stretch>
+            <a:fillRect/>
+          </a:stretch>
+        </p:blipFill>
+        <p:spPr>
+          <a:xfrm>
+            <a:off x="9856198" y="5937007"/>
+            <a:ext cx="1776086" cy="616193"/>
+          </a:xfrm>
+          <a:prstGeom prst="rect">
+            <a:avLst/>
+          </a:prstGeom>
+        </p:spPr>
+      </p:pic>
+      <p:pic>
+        <p:nvPicPr>
+          <p:cNvPr id="7" name="Imagem 6">
+            <a:extLst>
+              <a:ext uri="{FF2B5EF4-FFF2-40B4-BE49-F238E27FC236}">
+                <a16:creationId xmlns:a16="http://schemas.microsoft.com/office/drawing/2014/main" id="{9283E496-2CA1-482A-9303-D0BBC6819A27}"/>
+              </a:ext>
+            </a:extLst>
+          </p:cNvPr>
+          <p:cNvPicPr>
+            <a:picLocks noChangeAspect="1"/>
+          </p:cNvPicPr>
+          <p:nvPr/>
+        </p:nvPicPr>
+        <p:blipFill>
+          <a:blip r:embed="rId3"/>
+          <a:stretch>
+            <a:fillRect/>
+          </a:stretch>
+        </p:blipFill>
+        <p:spPr>
+          <a:xfrm>
+            <a:off x="5913918" y="3731003"/>
+            <a:ext cx="5161398" cy="788360"/>
+          </a:xfrm>
+          <a:prstGeom prst="rect">
+            <a:avLst/>
+          </a:prstGeom>
+        </p:spPr>
+      </p:pic>
+      <p:pic>
+        <p:nvPicPr>
+          <p:cNvPr id="9" name="Imagem 8">
+            <a:extLst>
+              <a:ext uri="{FF2B5EF4-FFF2-40B4-BE49-F238E27FC236}">
+                <a16:creationId xmlns:a16="http://schemas.microsoft.com/office/drawing/2014/main" id="{EF95F99E-EEE6-40F4-8580-FD38057460D0}"/>
+              </a:ext>
+            </a:extLst>
+          </p:cNvPr>
+          <p:cNvPicPr>
+            <a:picLocks noChangeAspect="1"/>
+          </p:cNvPicPr>
+          <p:nvPr/>
+        </p:nvPicPr>
+        <p:blipFill>
+          <a:blip r:embed="rId4"/>
+          <a:stretch>
+            <a:fillRect/>
+          </a:stretch>
+        </p:blipFill>
+        <p:spPr>
+          <a:xfrm>
+            <a:off x="559716" y="3724283"/>
+            <a:ext cx="5161399" cy="795080"/>
+          </a:xfrm>
+          <a:prstGeom prst="rect">
+            <a:avLst/>
+          </a:prstGeom>
+        </p:spPr>
+      </p:pic>
+      <p:sp>
+        <p:nvSpPr>
+          <p:cNvPr id="10" name="CaixaDeTexto 9">
+            <a:extLst>
+              <a:ext uri="{FF2B5EF4-FFF2-40B4-BE49-F238E27FC236}">
+                <a16:creationId xmlns:a16="http://schemas.microsoft.com/office/drawing/2014/main" id="{DF304B6D-F74C-416A-B9CE-F07578C08271}"/>
+              </a:ext>
+            </a:extLst>
+          </p:cNvPr>
+          <p:cNvSpPr txBox="1"/>
+          <p:nvPr/>
+        </p:nvSpPr>
+        <p:spPr>
+          <a:xfrm>
+            <a:off x="1475201" y="4719346"/>
+            <a:ext cx="3330429" cy="369332"/>
+          </a:xfrm>
+          <a:prstGeom prst="rect">
+            <a:avLst/>
+          </a:prstGeom>
+          <a:noFill/>
+        </p:spPr>
+        <p:txBody>
+          <a:bodyPr wrap="square" rtlCol="0">
+            <a:spAutoFit/>
+          </a:bodyPr>
+          <a:lstStyle/>
+          <a:p>
+            <a:r>
+              <a:rPr lang="pt-PT" dirty="0" err="1"/>
+              <a:t>Fig</a:t>
+            </a:r>
+            <a:r>
+              <a:rPr lang="pt-PT" dirty="0"/>
+              <a:t> 1. </a:t>
+            </a:r>
+            <a:r>
+              <a:rPr lang="pt-PT" dirty="0" err="1"/>
+              <a:t>Q-Learning</a:t>
+            </a:r>
+            <a:r>
+              <a:rPr lang="pt-PT" dirty="0"/>
+              <a:t> </a:t>
+            </a:r>
+            <a:r>
+              <a:rPr lang="pt-PT" dirty="0" err="1"/>
+              <a:t>Implementation</a:t>
+            </a:r>
+            <a:endParaRPr lang="en-GB" dirty="0"/>
+          </a:p>
+        </p:txBody>
+      </p:sp>
+      <p:sp>
+        <p:nvSpPr>
+          <p:cNvPr id="11" name="CaixaDeTexto 10">
+            <a:extLst>
+              <a:ext uri="{FF2B5EF4-FFF2-40B4-BE49-F238E27FC236}">
+                <a16:creationId xmlns:a16="http://schemas.microsoft.com/office/drawing/2014/main" id="{7DFC0BD8-5D4A-4A3C-9090-4DE67C557D51}"/>
+              </a:ext>
+            </a:extLst>
+          </p:cNvPr>
+          <p:cNvSpPr txBox="1"/>
+          <p:nvPr/>
+        </p:nvSpPr>
+        <p:spPr>
+          <a:xfrm>
+            <a:off x="6829403" y="4719346"/>
+            <a:ext cx="3330429" cy="369332"/>
+          </a:xfrm>
+          <a:prstGeom prst="rect">
+            <a:avLst/>
+          </a:prstGeom>
+          <a:noFill/>
+        </p:spPr>
+        <p:txBody>
+          <a:bodyPr wrap="square" rtlCol="0">
+            <a:spAutoFit/>
+          </a:bodyPr>
+          <a:lstStyle/>
+          <a:p>
+            <a:r>
+              <a:rPr lang="pt-PT" dirty="0" err="1"/>
+              <a:t>Fig</a:t>
+            </a:r>
+            <a:r>
+              <a:rPr lang="pt-PT" dirty="0"/>
+              <a:t> 2. SARSA </a:t>
+            </a:r>
+            <a:r>
+              <a:rPr lang="pt-PT" dirty="0" err="1"/>
+              <a:t>Implementation</a:t>
+            </a:r>
+            <a:endParaRPr lang="en-GB" dirty="0"/>
+          </a:p>
+        </p:txBody>
+      </p:sp>
+    </p:spTree>
+    <p:extLst>
+      <p:ext uri="{BB962C8B-B14F-4D97-AF65-F5344CB8AC3E}">
+        <p14:creationId xmlns:p14="http://schemas.microsoft.com/office/powerpoint/2010/main" val="859065437"/>
+      </p:ext>
+    </p:extLst>
+  </p:cSld>
+  <p:clrMapOvr>
+    <a:masterClrMapping/>
+  </p:clrMapOvr>
+</p:sld>
+</file>
+
+<file path=ppt/slides/slide8.xml><?xml version="1.0" encoding="utf-8"?>
+<p:sld xmlns:a="http://schemas.openxmlformats.org/drawingml/2006/main" xmlns:r="http://schemas.openxmlformats.org/officeDocument/2006/relationships" xmlns:p="http://schemas.openxmlformats.org/presentationml/2006/main">
+  <p:cSld>
+    <p:spTree>
+      <p:nvGrpSpPr>
+        <p:cNvPr id="1" name=""/>
+        <p:cNvGrpSpPr/>
+        <p:nvPr/>
+      </p:nvGrpSpPr>
+      <p:grpSpPr>
+        <a:xfrm>
+          <a:off x="0" y="0"/>
+          <a:ext cx="0" cy="0"/>
+          <a:chOff x="0" y="0"/>
+          <a:chExt cx="0" cy="0"/>
+        </a:xfrm>
+      </p:grpSpPr>
+      <p:sp>
+        <p:nvSpPr>
+          <p:cNvPr id="6" name="Título 1">
+            <a:extLst>
+              <a:ext uri="{FF2B5EF4-FFF2-40B4-BE49-F238E27FC236}">
+                <a16:creationId xmlns:a16="http://schemas.microsoft.com/office/drawing/2014/main" id="{6D71369E-7E9A-476A-8E42-16E130DB6ED2}"/>
+              </a:ext>
+            </a:extLst>
+          </p:cNvPr>
+          <p:cNvSpPr txBox="1">
+            <a:spLocks/>
+          </p:cNvSpPr>
+          <p:nvPr/>
+        </p:nvSpPr>
+        <p:spPr>
+          <a:xfrm>
+            <a:off x="559716" y="304800"/>
+            <a:ext cx="10515600" cy="1325563"/>
+          </a:xfrm>
+          <a:prstGeom prst="rect">
+            <a:avLst/>
+          </a:prstGeom>
+        </p:spPr>
+        <p:txBody>
+          <a:bodyPr vert="horz" lIns="91440" tIns="45720" rIns="91440" bIns="45720" rtlCol="0" anchor="ctr">
+            <a:normAutofit/>
+          </a:bodyPr>
+          <a:lstStyle>
+            <a:lvl1pPr algn="l" defTabSz="914400" rtl="0" eaLnBrk="1" latinLnBrk="0" hangingPunct="1">
+              <a:lnSpc>
+                <a:spcPct val="90000"/>
+              </a:lnSpc>
+              <a:spcBef>
+                <a:spcPct val="0"/>
+              </a:spcBef>
+              <a:buNone/>
+              <a:defRPr sz="4400" kern="1200">
+                <a:solidFill>
+                  <a:schemeClr val="tx1"/>
+                </a:solidFill>
+                <a:latin typeface="+mj-lt"/>
+                <a:ea typeface="+mj-ea"/>
+                <a:cs typeface="+mj-cs"/>
+              </a:defRPr>
+            </a:lvl1pPr>
+          </a:lstStyle>
+          <a:p>
+            <a:r>
+              <a:rPr lang="en-US" b="1" dirty="0">
+                <a:ea typeface="Roboto" pitchFamily="2" charset="0"/>
+              </a:rPr>
+              <a:t>Analysis</a:t>
+            </a:r>
+            <a:endParaRPr lang="pt-PT" b="1" dirty="0">
+              <a:ea typeface="Roboto" pitchFamily="2" charset="0"/>
+            </a:endParaRPr>
+          </a:p>
+        </p:txBody>
+      </p:sp>
+      <p:sp>
+        <p:nvSpPr>
+          <p:cNvPr id="3" name="Marcador de Posição de Conteúdo 2">
+            <a:extLst>
+              <a:ext uri="{FF2B5EF4-FFF2-40B4-BE49-F238E27FC236}">
+                <a16:creationId xmlns:a16="http://schemas.microsoft.com/office/drawing/2014/main" id="{12DAE172-CE39-4574-A4E6-C9F5072FDC8D}"/>
+              </a:ext>
+            </a:extLst>
+          </p:cNvPr>
+          <p:cNvSpPr>
+            <a:spLocks noGrp="1"/>
+          </p:cNvSpPr>
+          <p:nvPr>
+            <p:ph idx="1"/>
+          </p:nvPr>
+        </p:nvSpPr>
+        <p:spPr>
+          <a:xfrm flipH="1">
+            <a:off x="559716" y="1455034"/>
+            <a:ext cx="10515599" cy="3578360"/>
+          </a:xfrm>
+        </p:spPr>
+        <p:txBody>
+          <a:bodyPr>
+            <a:normAutofit/>
+          </a:bodyPr>
+          <a:lstStyle/>
+          <a:p>
+            <a:pPr marL="0" indent="0">
+              <a:buNone/>
+            </a:pPr>
+            <a:r>
+              <a:rPr lang="pt-PT" sz="2400" dirty="0" err="1">
+                <a:ea typeface="Roboto" pitchFamily="2" charset="0"/>
+              </a:rPr>
+              <a:t>Started</a:t>
+            </a:r>
+            <a:r>
+              <a:rPr lang="pt-PT" sz="2400" dirty="0">
+                <a:ea typeface="Roboto" pitchFamily="2" charset="0"/>
+              </a:rPr>
+              <a:t> </a:t>
+            </a:r>
+            <a:r>
+              <a:rPr lang="pt-PT" sz="2400" dirty="0" err="1">
+                <a:ea typeface="Roboto" pitchFamily="2" charset="0"/>
+              </a:rPr>
+              <a:t>with</a:t>
+            </a:r>
+            <a:r>
+              <a:rPr lang="pt-PT" sz="2400" dirty="0">
+                <a:ea typeface="Roboto" pitchFamily="2" charset="0"/>
+              </a:rPr>
+              <a:t> a </a:t>
+            </a:r>
+            <a:r>
+              <a:rPr lang="pt-PT" sz="2400" dirty="0" err="1">
+                <a:ea typeface="Roboto" pitchFamily="2" charset="0"/>
+              </a:rPr>
+              <a:t>simple</a:t>
+            </a:r>
+            <a:r>
+              <a:rPr lang="pt-PT" sz="2400" dirty="0">
+                <a:ea typeface="Roboto" pitchFamily="2" charset="0"/>
+              </a:rPr>
+              <a:t> </a:t>
+            </a:r>
+            <a:r>
+              <a:rPr lang="pt-PT" sz="2400" dirty="0" err="1">
+                <a:ea typeface="Roboto" pitchFamily="2" charset="0"/>
+              </a:rPr>
+              <a:t>configuration</a:t>
+            </a:r>
+            <a:r>
+              <a:rPr lang="pt-PT" sz="2400" dirty="0">
+                <a:ea typeface="Roboto" pitchFamily="2" charset="0"/>
+              </a:rPr>
+              <a:t>, a puzzle </a:t>
+            </a:r>
+            <a:r>
+              <a:rPr lang="pt-PT" sz="2400" dirty="0" err="1">
+                <a:ea typeface="Roboto" pitchFamily="2" charset="0"/>
+              </a:rPr>
+              <a:t>with</a:t>
+            </a:r>
+            <a:r>
+              <a:rPr lang="pt-PT" sz="2400" dirty="0">
+                <a:ea typeface="Roboto" pitchFamily="2" charset="0"/>
+              </a:rPr>
+              <a:t> 2 </a:t>
+            </a:r>
+            <a:r>
+              <a:rPr lang="pt-PT" sz="2400" dirty="0" err="1">
+                <a:ea typeface="Roboto" pitchFamily="2" charset="0"/>
+              </a:rPr>
+              <a:t>colours</a:t>
+            </a:r>
+            <a:r>
+              <a:rPr lang="pt-PT" sz="2400" dirty="0">
+                <a:ea typeface="Roboto" pitchFamily="2" charset="0"/>
+              </a:rPr>
+              <a:t> </a:t>
+            </a:r>
+            <a:r>
+              <a:rPr lang="pt-PT" sz="2400" dirty="0" err="1">
+                <a:ea typeface="Roboto" pitchFamily="2" charset="0"/>
+              </a:rPr>
+              <a:t>and</a:t>
+            </a:r>
+            <a:r>
+              <a:rPr lang="pt-PT" sz="2400" dirty="0">
+                <a:ea typeface="Roboto" pitchFamily="2" charset="0"/>
+              </a:rPr>
+              <a:t> 3 tubes, </a:t>
+            </a:r>
+            <a:r>
+              <a:rPr lang="pt-PT" sz="2400" dirty="0" err="1">
+                <a:ea typeface="Roboto" pitchFamily="2" charset="0"/>
+              </a:rPr>
+              <a:t>and</a:t>
+            </a:r>
+            <a:r>
+              <a:rPr lang="pt-PT" sz="2400" dirty="0">
+                <a:ea typeface="Roboto" pitchFamily="2" charset="0"/>
+              </a:rPr>
+              <a:t> </a:t>
+            </a:r>
+            <a:r>
+              <a:rPr lang="pt-PT" sz="2400" dirty="0" err="1">
+                <a:ea typeface="Roboto" pitchFamily="2" charset="0"/>
+              </a:rPr>
+              <a:t>used</a:t>
+            </a:r>
+            <a:r>
+              <a:rPr lang="pt-PT" sz="2400" dirty="0">
+                <a:ea typeface="Roboto" pitchFamily="2" charset="0"/>
+              </a:rPr>
+              <a:t> </a:t>
+            </a:r>
+            <a:r>
+              <a:rPr lang="pt-PT" sz="2400" dirty="0" err="1">
+                <a:ea typeface="Roboto" pitchFamily="2" charset="0"/>
+              </a:rPr>
+              <a:t>the</a:t>
+            </a:r>
+            <a:r>
+              <a:rPr lang="pt-PT" sz="2400" dirty="0">
+                <a:ea typeface="Roboto" pitchFamily="2" charset="0"/>
+              </a:rPr>
+              <a:t> </a:t>
+            </a:r>
+            <a:r>
+              <a:rPr lang="pt-PT" sz="2400" dirty="0" err="1">
+                <a:ea typeface="Roboto" pitchFamily="2" charset="0"/>
+              </a:rPr>
+              <a:t>first</a:t>
+            </a:r>
+            <a:r>
+              <a:rPr lang="pt-PT" sz="2400" dirty="0">
+                <a:ea typeface="Roboto" pitchFamily="2" charset="0"/>
+              </a:rPr>
+              <a:t> </a:t>
+            </a:r>
+            <a:r>
+              <a:rPr lang="pt-PT" sz="2400" dirty="0" err="1">
+                <a:ea typeface="Roboto" pitchFamily="2" charset="0"/>
+              </a:rPr>
+              <a:t>evaluation</a:t>
+            </a:r>
+            <a:r>
+              <a:rPr lang="pt-PT" sz="2400" dirty="0">
+                <a:ea typeface="Roboto" pitchFamily="2" charset="0"/>
+              </a:rPr>
+              <a:t> </a:t>
+            </a:r>
+            <a:r>
+              <a:rPr lang="pt-PT" sz="2400" dirty="0" err="1">
+                <a:ea typeface="Roboto" pitchFamily="2" charset="0"/>
+              </a:rPr>
+              <a:t>function</a:t>
+            </a:r>
+            <a:r>
+              <a:rPr lang="pt-PT" sz="2400" dirty="0">
+                <a:ea typeface="Roboto" pitchFamily="2" charset="0"/>
+              </a:rPr>
+              <a:t> </a:t>
+            </a:r>
+            <a:r>
+              <a:rPr lang="pt-PT" sz="2400" dirty="0" err="1">
+                <a:ea typeface="Roboto" pitchFamily="2" charset="0"/>
+              </a:rPr>
+              <a:t>described</a:t>
+            </a:r>
+            <a:r>
+              <a:rPr lang="pt-PT" sz="2400" dirty="0">
+                <a:ea typeface="Roboto" pitchFamily="2" charset="0"/>
+              </a:rPr>
+              <a:t>: +10, </a:t>
+            </a:r>
+            <a:r>
+              <a:rPr lang="pt-PT" sz="2400" dirty="0" err="1">
+                <a:ea typeface="Roboto" pitchFamily="2" charset="0"/>
+              </a:rPr>
+              <a:t>if</a:t>
+            </a:r>
+            <a:r>
+              <a:rPr lang="pt-PT" sz="2400" dirty="0">
+                <a:ea typeface="Roboto" pitchFamily="2" charset="0"/>
+              </a:rPr>
+              <a:t> </a:t>
+            </a:r>
+            <a:r>
+              <a:rPr lang="pt-PT" sz="2400" dirty="0" err="1">
+                <a:ea typeface="Roboto" pitchFamily="2" charset="0"/>
+              </a:rPr>
+              <a:t>finished</a:t>
+            </a:r>
+            <a:r>
+              <a:rPr lang="pt-PT" sz="2400" dirty="0">
+                <a:ea typeface="Roboto" pitchFamily="2" charset="0"/>
+              </a:rPr>
+              <a:t>; +1, </a:t>
+            </a:r>
+            <a:r>
+              <a:rPr lang="pt-PT" sz="2400" dirty="0" err="1">
+                <a:ea typeface="Roboto" pitchFamily="2" charset="0"/>
+              </a:rPr>
+              <a:t>if</a:t>
+            </a:r>
+            <a:r>
+              <a:rPr lang="pt-PT" sz="2400" dirty="0">
+                <a:ea typeface="Roboto" pitchFamily="2" charset="0"/>
+              </a:rPr>
+              <a:t> a tube </a:t>
+            </a:r>
+            <a:r>
+              <a:rPr lang="pt-PT" sz="2400" dirty="0" err="1">
+                <a:ea typeface="Roboto" pitchFamily="2" charset="0"/>
+              </a:rPr>
+              <a:t>was</a:t>
+            </a:r>
+            <a:r>
+              <a:rPr lang="pt-PT" sz="2400" dirty="0">
+                <a:ea typeface="Roboto" pitchFamily="2" charset="0"/>
+              </a:rPr>
+              <a:t> </a:t>
+            </a:r>
+            <a:r>
+              <a:rPr lang="pt-PT" sz="2400" dirty="0" err="1">
+                <a:ea typeface="Roboto" pitchFamily="2" charset="0"/>
+              </a:rPr>
+              <a:t>completed</a:t>
+            </a:r>
+            <a:r>
+              <a:rPr lang="pt-PT" sz="2400" dirty="0">
+                <a:ea typeface="Roboto" pitchFamily="2" charset="0"/>
+              </a:rPr>
+              <a:t> </a:t>
+            </a:r>
+            <a:r>
+              <a:rPr lang="pt-PT" sz="2400" dirty="0" err="1">
+                <a:ea typeface="Roboto" pitchFamily="2" charset="0"/>
+              </a:rPr>
+              <a:t>using</a:t>
+            </a:r>
+            <a:r>
+              <a:rPr lang="pt-PT" sz="2400" dirty="0">
+                <a:ea typeface="Roboto" pitchFamily="2" charset="0"/>
+              </a:rPr>
+              <a:t> </a:t>
+            </a:r>
+            <a:r>
+              <a:rPr lang="pt-PT" sz="2400" dirty="0" err="1">
+                <a:ea typeface="Roboto" pitchFamily="2" charset="0"/>
+              </a:rPr>
+              <a:t>an</a:t>
+            </a:r>
+            <a:r>
+              <a:rPr lang="pt-PT" sz="2400" dirty="0">
+                <a:ea typeface="Roboto" pitchFamily="2" charset="0"/>
+              </a:rPr>
+              <a:t> </a:t>
+            </a:r>
+            <a:r>
+              <a:rPr lang="pt-PT" sz="2400" dirty="0" err="1">
+                <a:ea typeface="Roboto" pitchFamily="2" charset="0"/>
+              </a:rPr>
+              <a:t>action</a:t>
+            </a:r>
+            <a:r>
+              <a:rPr lang="pt-PT" sz="2400" dirty="0">
+                <a:ea typeface="Roboto" pitchFamily="2" charset="0"/>
+              </a:rPr>
+              <a:t>; -1, for </a:t>
+            </a:r>
+            <a:r>
+              <a:rPr lang="pt-PT" sz="2400" dirty="0" err="1">
+                <a:ea typeface="Roboto" pitchFamily="2" charset="0"/>
+              </a:rPr>
+              <a:t>every</a:t>
+            </a:r>
+            <a:r>
+              <a:rPr lang="pt-PT" sz="2400" dirty="0">
+                <a:ea typeface="Roboto" pitchFamily="2" charset="0"/>
+              </a:rPr>
+              <a:t> </a:t>
+            </a:r>
+            <a:r>
+              <a:rPr lang="pt-PT" sz="2400" dirty="0" err="1">
+                <a:ea typeface="Roboto" pitchFamily="2" charset="0"/>
+              </a:rPr>
+              <a:t>other</a:t>
+            </a:r>
+            <a:r>
+              <a:rPr lang="pt-PT" sz="2400" dirty="0">
+                <a:ea typeface="Roboto" pitchFamily="2" charset="0"/>
+              </a:rPr>
+              <a:t> move.</a:t>
+            </a:r>
+          </a:p>
+          <a:p>
+            <a:pPr marL="0" indent="0">
+              <a:buNone/>
+            </a:pPr>
+            <a:r>
+              <a:rPr lang="pt-PT" sz="2400" dirty="0" err="1">
+                <a:ea typeface="Roboto" pitchFamily="2" charset="0"/>
+              </a:rPr>
+              <a:t>The</a:t>
+            </a:r>
+            <a:r>
+              <a:rPr lang="pt-PT" sz="2400" dirty="0">
+                <a:ea typeface="Roboto" pitchFamily="2" charset="0"/>
+              </a:rPr>
+              <a:t> </a:t>
+            </a:r>
+            <a:r>
+              <a:rPr lang="pt-PT" sz="2400" dirty="0" err="1">
+                <a:ea typeface="Roboto" pitchFamily="2" charset="0"/>
+              </a:rPr>
+              <a:t>parameters</a:t>
+            </a:r>
+            <a:r>
+              <a:rPr lang="pt-PT" sz="2400" dirty="0">
+                <a:ea typeface="Roboto" pitchFamily="2" charset="0"/>
+              </a:rPr>
+              <a:t> </a:t>
+            </a:r>
+            <a:r>
+              <a:rPr lang="pt-PT" sz="2400" dirty="0" err="1">
+                <a:ea typeface="Roboto" pitchFamily="2" charset="0"/>
+              </a:rPr>
+              <a:t>used</a:t>
+            </a:r>
+            <a:r>
+              <a:rPr lang="pt-PT" sz="2400" dirty="0">
+                <a:ea typeface="Roboto" pitchFamily="2" charset="0"/>
+              </a:rPr>
+              <a:t> </a:t>
+            </a:r>
+            <a:r>
+              <a:rPr lang="pt-PT" sz="2400" dirty="0" err="1">
+                <a:ea typeface="Roboto" pitchFamily="2" charset="0"/>
+              </a:rPr>
+              <a:t>were</a:t>
+            </a:r>
+            <a:r>
+              <a:rPr lang="pt-PT" sz="2400" dirty="0">
+                <a:ea typeface="Roboto" pitchFamily="2" charset="0"/>
+              </a:rPr>
+              <a:t>: </a:t>
+            </a:r>
+          </a:p>
+          <a:p>
+            <a:pPr>
+              <a:buFontTx/>
+              <a:buChar char="-"/>
+            </a:pPr>
+            <a:r>
+              <a:rPr lang="pt-PT" sz="2400" dirty="0" err="1">
+                <a:ea typeface="Roboto" pitchFamily="2" charset="0"/>
+              </a:rPr>
+              <a:t>Learning</a:t>
+            </a:r>
+            <a:r>
+              <a:rPr lang="pt-PT" sz="2400" dirty="0">
+                <a:ea typeface="Roboto" pitchFamily="2" charset="0"/>
+              </a:rPr>
+              <a:t> rate, 0.5</a:t>
+            </a:r>
+          </a:p>
+          <a:p>
+            <a:pPr>
+              <a:buFontTx/>
+              <a:buChar char="-"/>
+            </a:pPr>
+            <a:r>
+              <a:rPr lang="pt-PT" sz="2400" dirty="0" err="1">
+                <a:ea typeface="Roboto" pitchFamily="2" charset="0"/>
+              </a:rPr>
+              <a:t>Discount</a:t>
+            </a:r>
+            <a:r>
+              <a:rPr lang="pt-PT" sz="2400" dirty="0">
+                <a:ea typeface="Roboto" pitchFamily="2" charset="0"/>
+              </a:rPr>
+              <a:t> </a:t>
+            </a:r>
+            <a:r>
+              <a:rPr lang="pt-PT" sz="2400" dirty="0" err="1">
+                <a:ea typeface="Roboto" pitchFamily="2" charset="0"/>
+              </a:rPr>
+              <a:t>factor</a:t>
+            </a:r>
+            <a:r>
+              <a:rPr lang="pt-PT" sz="2400" dirty="0">
+                <a:ea typeface="Roboto" pitchFamily="2" charset="0"/>
+              </a:rPr>
+              <a:t>, 0.6</a:t>
+            </a:r>
+          </a:p>
+          <a:p>
+            <a:pPr>
+              <a:buFontTx/>
+              <a:buChar char="-"/>
+            </a:pPr>
+            <a:r>
+              <a:rPr lang="pt-PT" sz="2400" dirty="0" err="1">
+                <a:ea typeface="Roboto" pitchFamily="2" charset="0"/>
+              </a:rPr>
+              <a:t>Epsilon</a:t>
+            </a:r>
+            <a:r>
+              <a:rPr lang="pt-PT" sz="2400" dirty="0">
+                <a:ea typeface="Roboto" pitchFamily="2" charset="0"/>
+              </a:rPr>
+              <a:t>, 0.2</a:t>
+            </a:r>
+          </a:p>
+          <a:p>
+            <a:pPr>
+              <a:buFontTx/>
+              <a:buChar char="-"/>
+            </a:pPr>
+            <a:r>
+              <a:rPr lang="pt-PT" sz="2400" dirty="0" err="1">
+                <a:ea typeface="Roboto" pitchFamily="2" charset="0"/>
+              </a:rPr>
+              <a:t>Train</a:t>
+            </a:r>
+            <a:r>
+              <a:rPr lang="pt-PT" sz="2400" dirty="0">
+                <a:ea typeface="Roboto" pitchFamily="2" charset="0"/>
+              </a:rPr>
+              <a:t> </a:t>
+            </a:r>
+            <a:r>
+              <a:rPr lang="pt-PT" sz="2400" dirty="0" err="1">
+                <a:ea typeface="Roboto" pitchFamily="2" charset="0"/>
+              </a:rPr>
+              <a:t>episodes</a:t>
+            </a:r>
+            <a:r>
+              <a:rPr lang="pt-PT" sz="2400" dirty="0">
+                <a:ea typeface="Roboto" pitchFamily="2" charset="0"/>
+              </a:rPr>
+              <a:t>, 500</a:t>
+            </a:r>
+          </a:p>
+        </p:txBody>
+      </p:sp>
+      <p:sp>
+        <p:nvSpPr>
+          <p:cNvPr id="4" name="Retângulo 3">
+            <a:extLst>
+              <a:ext uri="{FF2B5EF4-FFF2-40B4-BE49-F238E27FC236}">
+                <a16:creationId xmlns:a16="http://schemas.microsoft.com/office/drawing/2014/main" id="{90B6A4EF-9E53-46D5-92DA-6EFB0024E853}"/>
+              </a:ext>
+            </a:extLst>
+          </p:cNvPr>
+          <p:cNvSpPr/>
+          <p:nvPr/>
+        </p:nvSpPr>
+        <p:spPr>
+          <a:xfrm>
+            <a:off x="0" y="-35351"/>
+            <a:ext cx="216816" cy="6928701"/>
+          </a:xfrm>
+          <a:prstGeom prst="rect">
+            <a:avLst/>
+          </a:prstGeom>
+        </p:spPr>
+        <p:style>
+          <a:lnRef idx="2">
+            <a:schemeClr val="accent1">
+              <a:shade val="50000"/>
+            </a:schemeClr>
+          </a:lnRef>
+          <a:fillRef idx="1">
+            <a:schemeClr val="accent1"/>
+          </a:fillRef>
+          <a:effectRef idx="0">
+            <a:schemeClr val="accent1"/>
+          </a:effectRef>
+          <a:fontRef idx="minor">
+            <a:schemeClr val="lt1"/>
+          </a:fontRef>
+        </p:style>
+        <p:txBody>
+          <a:bodyPr rtlCol="0" anchor="ctr"/>
+          <a:lstStyle/>
+          <a:p>
+            <a:pPr algn="ctr"/>
+            <a:endParaRPr lang="en-GB"/>
+          </a:p>
+        </p:txBody>
+      </p:sp>
+      <p:pic>
+        <p:nvPicPr>
+          <p:cNvPr id="5" name="Imagem 4">
+            <a:extLst>
+              <a:ext uri="{FF2B5EF4-FFF2-40B4-BE49-F238E27FC236}">
+                <a16:creationId xmlns:a16="http://schemas.microsoft.com/office/drawing/2014/main" id="{7BA3DCCD-3276-4287-9AC3-EF4C6F38A372}"/>
+              </a:ext>
+            </a:extLst>
+          </p:cNvPr>
+          <p:cNvPicPr>
+            <a:picLocks noChangeAspect="1"/>
+          </p:cNvPicPr>
+          <p:nvPr/>
+        </p:nvPicPr>
+        <p:blipFill>
+          <a:blip r:embed="rId2">
+            <a:extLst>
+              <a:ext uri="{28A0092B-C50C-407E-A947-70E740481C1C}">
+                <a14:useLocalDpi xmlns:a14="http://schemas.microsoft.com/office/drawing/2010/main" val="0"/>
+              </a:ext>
+            </a:extLst>
+          </a:blip>
+          <a:stretch>
+            <a:fillRect/>
+          </a:stretch>
+        </p:blipFill>
+        <p:spPr>
+          <a:xfrm>
+            <a:off x="9856198" y="5937007"/>
+            <a:ext cx="1776086" cy="616193"/>
+          </a:xfrm>
+          <a:prstGeom prst="rect">
+            <a:avLst/>
+          </a:prstGeom>
+        </p:spPr>
+      </p:pic>
+    </p:spTree>
+    <p:extLst>
+      <p:ext uri="{BB962C8B-B14F-4D97-AF65-F5344CB8AC3E}">
+        <p14:creationId xmlns:p14="http://schemas.microsoft.com/office/powerpoint/2010/main" val="3234578627"/>
+      </p:ext>
+    </p:extLst>
+  </p:cSld>
+  <p:clrMapOvr>
+    <a:masterClrMapping/>
+  </p:clrMapOvr>
+</p:sld>
+</file>
+
+<file path=ppt/slides/slide9.xml><?xml version="1.0" encoding="utf-8"?>
+<p:sld xmlns:a="http://schemas.openxmlformats.org/drawingml/2006/main" xmlns:r="http://schemas.openxmlformats.org/officeDocument/2006/relationships" xmlns:p="http://schemas.openxmlformats.org/presentationml/2006/main">
+  <p:cSld>
+    <p:spTree>
+      <p:nvGrpSpPr>
+        <p:cNvPr id="1" name=""/>
+        <p:cNvGrpSpPr/>
+        <p:nvPr/>
+      </p:nvGrpSpPr>
+      <p:grpSpPr>
+        <a:xfrm>
+          <a:off x="0" y="0"/>
+          <a:ext cx="0" cy="0"/>
+          <a:chOff x="0" y="0"/>
+          <a:chExt cx="0" cy="0"/>
+        </a:xfrm>
+      </p:grpSpPr>
+      <p:sp>
+        <p:nvSpPr>
+          <p:cNvPr id="6" name="Título 1">
+            <a:extLst>
+              <a:ext uri="{FF2B5EF4-FFF2-40B4-BE49-F238E27FC236}">
+                <a16:creationId xmlns:a16="http://schemas.microsoft.com/office/drawing/2014/main" id="{6D71369E-7E9A-476A-8E42-16E130DB6ED2}"/>
+              </a:ext>
+            </a:extLst>
+          </p:cNvPr>
+          <p:cNvSpPr txBox="1">
+            <a:spLocks/>
+          </p:cNvSpPr>
+          <p:nvPr/>
+        </p:nvSpPr>
+        <p:spPr>
+          <a:xfrm>
+            <a:off x="559716" y="304800"/>
+            <a:ext cx="10515600" cy="1325563"/>
+          </a:xfrm>
+          <a:prstGeom prst="rect">
+            <a:avLst/>
+          </a:prstGeom>
+        </p:spPr>
+        <p:txBody>
+          <a:bodyPr vert="horz" lIns="91440" tIns="45720" rIns="91440" bIns="45720" rtlCol="0" anchor="ctr">
+            <a:normAutofit/>
+          </a:bodyPr>
+          <a:lstStyle>
+            <a:lvl1pPr algn="l" defTabSz="914400" rtl="0" eaLnBrk="1" latinLnBrk="0" hangingPunct="1">
+              <a:lnSpc>
+                <a:spcPct val="90000"/>
+              </a:lnSpc>
+              <a:spcBef>
+                <a:spcPct val="0"/>
+              </a:spcBef>
+              <a:buNone/>
+              <a:defRPr sz="4400" kern="1200">
+                <a:solidFill>
+                  <a:schemeClr val="tx1"/>
+                </a:solidFill>
+                <a:latin typeface="+mj-lt"/>
+                <a:ea typeface="+mj-ea"/>
+                <a:cs typeface="+mj-cs"/>
+              </a:defRPr>
+            </a:lvl1pPr>
+          </a:lstStyle>
+          <a:p>
+            <a:r>
+              <a:rPr lang="en-US" b="1" dirty="0">
+                <a:ea typeface="Roboto" pitchFamily="2" charset="0"/>
+              </a:rPr>
+              <a:t>Analysis</a:t>
+            </a:r>
+            <a:endParaRPr lang="pt-PT" b="1" dirty="0">
+              <a:ea typeface="Roboto" pitchFamily="2" charset="0"/>
+            </a:endParaRPr>
+          </a:p>
+        </p:txBody>
+      </p:sp>
+      <p:sp>
+        <p:nvSpPr>
+          <p:cNvPr id="4" name="Retângulo 3">
+            <a:extLst>
+              <a:ext uri="{FF2B5EF4-FFF2-40B4-BE49-F238E27FC236}">
+                <a16:creationId xmlns:a16="http://schemas.microsoft.com/office/drawing/2014/main" id="{90B6A4EF-9E53-46D5-92DA-6EFB0024E853}"/>
+              </a:ext>
+            </a:extLst>
+          </p:cNvPr>
+          <p:cNvSpPr/>
+          <p:nvPr/>
+        </p:nvSpPr>
+        <p:spPr>
+          <a:xfrm>
+            <a:off x="0" y="-35351"/>
+            <a:ext cx="216816" cy="6928701"/>
+          </a:xfrm>
+          <a:prstGeom prst="rect">
+            <a:avLst/>
+          </a:prstGeom>
+        </p:spPr>
+        <p:style>
+          <a:lnRef idx="2">
+            <a:schemeClr val="accent1">
+              <a:shade val="50000"/>
+            </a:schemeClr>
+          </a:lnRef>
+          <a:fillRef idx="1">
+            <a:schemeClr val="accent1"/>
+          </a:fillRef>
+          <a:effectRef idx="0">
+            <a:schemeClr val="accent1"/>
+          </a:effectRef>
+          <a:fontRef idx="minor">
+            <a:schemeClr val="lt1"/>
+          </a:fontRef>
+        </p:style>
+        <p:txBody>
+          <a:bodyPr rtlCol="0" anchor="ctr"/>
+          <a:lstStyle/>
+          <a:p>
+            <a:pPr algn="ctr"/>
+            <a:endParaRPr lang="en-GB"/>
+          </a:p>
+        </p:txBody>
+      </p:sp>
+      <p:pic>
+        <p:nvPicPr>
+          <p:cNvPr id="5" name="Imagem 4">
+            <a:extLst>
+              <a:ext uri="{FF2B5EF4-FFF2-40B4-BE49-F238E27FC236}">
+                <a16:creationId xmlns:a16="http://schemas.microsoft.com/office/drawing/2014/main" id="{7BA3DCCD-3276-4287-9AC3-EF4C6F38A372}"/>
+              </a:ext>
+            </a:extLst>
+          </p:cNvPr>
+          <p:cNvPicPr>
+            <a:picLocks noChangeAspect="1"/>
+          </p:cNvPicPr>
+          <p:nvPr/>
+        </p:nvPicPr>
+        <p:blipFill>
+          <a:blip r:embed="rId2">
+            <a:extLst>
+              <a:ext uri="{28A0092B-C50C-407E-A947-70E740481C1C}">
+                <a14:useLocalDpi xmlns:a14="http://schemas.microsoft.com/office/drawing/2010/main" val="0"/>
+              </a:ext>
+            </a:extLst>
+          </a:blip>
+          <a:stretch>
+            <a:fillRect/>
+          </a:stretch>
+        </p:blipFill>
+        <p:spPr>
+          <a:xfrm>
+            <a:off x="9856198" y="5937007"/>
+            <a:ext cx="1776086" cy="616193"/>
+          </a:xfrm>
+          <a:prstGeom prst="rect">
+            <a:avLst/>
+          </a:prstGeom>
+        </p:spPr>
+      </p:pic>
+      <p:sp>
+        <p:nvSpPr>
+          <p:cNvPr id="2" name="CaixaDeTexto 1">
+            <a:extLst>
+              <a:ext uri="{FF2B5EF4-FFF2-40B4-BE49-F238E27FC236}">
+                <a16:creationId xmlns:a16="http://schemas.microsoft.com/office/drawing/2014/main" id="{72857E8F-969F-4629-AA0F-38E5A20A848E}"/>
+              </a:ext>
+            </a:extLst>
+          </p:cNvPr>
+          <p:cNvSpPr txBox="1"/>
+          <p:nvPr/>
+        </p:nvSpPr>
+        <p:spPr>
+          <a:xfrm>
+            <a:off x="6465042" y="4736678"/>
+            <a:ext cx="3058036" cy="646331"/>
+          </a:xfrm>
+          <a:prstGeom prst="rect">
+            <a:avLst/>
+          </a:prstGeom>
+          <a:noFill/>
+        </p:spPr>
+        <p:txBody>
+          <a:bodyPr wrap="square" rtlCol="0">
+            <a:spAutoFit/>
+          </a:bodyPr>
+          <a:lstStyle/>
+          <a:p>
+            <a:r>
+              <a:rPr lang="pt-PT" dirty="0" err="1"/>
+              <a:t>Fig</a:t>
+            </a:r>
+            <a:r>
+              <a:rPr lang="pt-PT" dirty="0"/>
+              <a:t> 4. SARSA </a:t>
+            </a:r>
+            <a:r>
+              <a:rPr lang="pt-PT" dirty="0" err="1"/>
+              <a:t>with</a:t>
+            </a:r>
+            <a:endParaRPr lang="pt-PT" dirty="0"/>
+          </a:p>
+          <a:p>
+            <a:r>
+              <a:rPr lang="en-US" dirty="0"/>
+              <a:t>Training score over time: 9.316 </a:t>
+            </a:r>
+          </a:p>
+        </p:txBody>
+      </p:sp>
+      <p:sp>
+        <p:nvSpPr>
+          <p:cNvPr id="9" name="CaixaDeTexto 8">
+            <a:extLst>
+              <a:ext uri="{FF2B5EF4-FFF2-40B4-BE49-F238E27FC236}">
+                <a16:creationId xmlns:a16="http://schemas.microsoft.com/office/drawing/2014/main" id="{7D5721BD-8F3D-478C-A94B-5D39BF163364}"/>
+              </a:ext>
+            </a:extLst>
+          </p:cNvPr>
+          <p:cNvSpPr txBox="1"/>
+          <p:nvPr/>
+        </p:nvSpPr>
+        <p:spPr>
+          <a:xfrm>
+            <a:off x="1731305" y="4728289"/>
+            <a:ext cx="3058037" cy="923330"/>
+          </a:xfrm>
+          <a:prstGeom prst="rect">
+            <a:avLst/>
+          </a:prstGeom>
+          <a:noFill/>
+        </p:spPr>
+        <p:txBody>
+          <a:bodyPr wrap="square" rtlCol="0">
+            <a:spAutoFit/>
+          </a:bodyPr>
+          <a:lstStyle/>
+          <a:p>
+            <a:r>
+              <a:rPr lang="pt-PT" dirty="0" err="1"/>
+              <a:t>Fig</a:t>
+            </a:r>
+            <a:r>
+              <a:rPr lang="pt-PT" dirty="0"/>
+              <a:t> 3. </a:t>
+            </a:r>
+            <a:r>
+              <a:rPr lang="pt-PT" dirty="0" err="1"/>
+              <a:t>Q-Learning</a:t>
+            </a:r>
+            <a:r>
+              <a:rPr lang="pt-PT" dirty="0"/>
+              <a:t> </a:t>
+            </a:r>
+            <a:r>
+              <a:rPr lang="pt-PT" dirty="0" err="1"/>
+              <a:t>with</a:t>
+            </a:r>
+            <a:endParaRPr lang="pt-PT" dirty="0"/>
+          </a:p>
+          <a:p>
+            <a:r>
+              <a:rPr lang="en-US" dirty="0"/>
+              <a:t>Training score over time: 9.434 </a:t>
+            </a:r>
+          </a:p>
+          <a:p>
+            <a:endParaRPr lang="en-GB" dirty="0"/>
+          </a:p>
+        </p:txBody>
+      </p:sp>
+      <p:pic>
+        <p:nvPicPr>
+          <p:cNvPr id="1040" name="Picture 16">
+            <a:extLst>
+              <a:ext uri="{FF2B5EF4-FFF2-40B4-BE49-F238E27FC236}">
+                <a16:creationId xmlns:a16="http://schemas.microsoft.com/office/drawing/2014/main" id="{D9D60DBD-DC34-4970-89D9-5C3B5B740695}"/>
+              </a:ext>
+            </a:extLst>
+          </p:cNvPr>
+          <p:cNvPicPr>
+            <a:picLocks noChangeAspect="1" noChangeArrowheads="1"/>
+          </p:cNvPicPr>
+          <p:nvPr/>
+        </p:nvPicPr>
+        <p:blipFill>
+          <a:blip r:embed="rId3">
+            <a:extLst>
+              <a:ext uri="{28A0092B-C50C-407E-A947-70E740481C1C}">
+                <a14:useLocalDpi xmlns:a14="http://schemas.microsoft.com/office/drawing/2010/main" val="0"/>
+              </a:ext>
+            </a:extLst>
+          </a:blip>
+          <a:srcRect/>
+          <a:stretch>
+            <a:fillRect/>
+          </a:stretch>
+        </p:blipFill>
+        <p:spPr bwMode="auto">
+          <a:xfrm>
+            <a:off x="1398186" y="2020592"/>
+            <a:ext cx="3724275" cy="2657475"/>
+          </a:xfrm>
+          <a:prstGeom prst="rect">
+            <a:avLst/>
+          </a:prstGeom>
+          <a:noFill/>
+          <a:extLst>
+            <a:ext uri="{909E8E84-426E-40DD-AFC4-6F175D3DCCD1}">
+              <a14:hiddenFill xmlns:a14="http://schemas.microsoft.com/office/drawing/2010/main">
+                <a:solidFill>
+                  <a:srgbClr val="FFFFFF"/>
+                </a:solidFill>
+              </a14:hiddenFill>
+            </a:ext>
+          </a:extLst>
+        </p:spPr>
+      </p:pic>
+      <p:pic>
+        <p:nvPicPr>
+          <p:cNvPr id="1042" name="Picture 18">
+            <a:extLst>
+              <a:ext uri="{FF2B5EF4-FFF2-40B4-BE49-F238E27FC236}">
+                <a16:creationId xmlns:a16="http://schemas.microsoft.com/office/drawing/2014/main" id="{C03C379A-06E5-4350-891A-37FBC8261FF9}"/>
+              </a:ext>
+            </a:extLst>
+          </p:cNvPr>
+          <p:cNvPicPr>
+            <a:picLocks noChangeAspect="1" noChangeArrowheads="1"/>
+          </p:cNvPicPr>
+          <p:nvPr/>
+        </p:nvPicPr>
+        <p:blipFill>
+          <a:blip r:embed="rId4">
+            <a:extLst>
+              <a:ext uri="{28A0092B-C50C-407E-A947-70E740481C1C}">
+                <a14:useLocalDpi xmlns:a14="http://schemas.microsoft.com/office/drawing/2010/main" val="0"/>
+              </a:ext>
+            </a:extLst>
+          </a:blip>
+          <a:srcRect/>
+          <a:stretch>
+            <a:fillRect/>
+          </a:stretch>
+        </p:blipFill>
+        <p:spPr bwMode="auto">
+          <a:xfrm>
+            <a:off x="6131923" y="2020592"/>
+            <a:ext cx="3724275" cy="2657475"/>
+          </a:xfrm>
+          <a:prstGeom prst="rect">
+            <a:avLst/>
+          </a:prstGeom>
+          <a:noFill/>
+          <a:extLst>
+            <a:ext uri="{909E8E84-426E-40DD-AFC4-6F175D3DCCD1}">
+              <a14:hiddenFill xmlns:a14="http://schemas.microsoft.com/office/drawing/2010/main">
+                <a:solidFill>
+                  <a:srgbClr val="FFFFFF"/>
+                </a:solidFill>
+              </a14:hiddenFill>
+            </a:ext>
+          </a:extLst>
+        </p:spPr>
+      </p:pic>
+    </p:spTree>
+    <p:extLst>
+      <p:ext uri="{BB962C8B-B14F-4D97-AF65-F5344CB8AC3E}">
+        <p14:creationId xmlns:p14="http://schemas.microsoft.com/office/powerpoint/2010/main" val="1986564536"/>
       </p:ext>
     </p:extLst>
   </p:cSld>

--- a/Project2/docs/Ball Sort Puzzle.pptx
+++ b/Project2/docs/Ball Sort Puzzle.pptx
@@ -269,7 +269,7 @@
           <a:p>
             <a:fld id="{2B03390F-521F-40ED-9D3B-4287339B36CD}" type="datetimeFigureOut">
               <a:rPr lang="pt-PT" smtClean="0"/>
-              <a:t>25/05/2021</a:t>
+              <a:t>26/05/2021</a:t>
             </a:fld>
             <a:endParaRPr lang="pt-PT"/>
           </a:p>
@@ -467,7 +467,7 @@
           <a:p>
             <a:fld id="{2B03390F-521F-40ED-9D3B-4287339B36CD}" type="datetimeFigureOut">
               <a:rPr lang="pt-PT" smtClean="0"/>
-              <a:t>25/05/2021</a:t>
+              <a:t>26/05/2021</a:t>
             </a:fld>
             <a:endParaRPr lang="pt-PT"/>
           </a:p>
@@ -675,7 +675,7 @@
           <a:p>
             <a:fld id="{2B03390F-521F-40ED-9D3B-4287339B36CD}" type="datetimeFigureOut">
               <a:rPr lang="pt-PT" smtClean="0"/>
-              <a:t>25/05/2021</a:t>
+              <a:t>26/05/2021</a:t>
             </a:fld>
             <a:endParaRPr lang="pt-PT"/>
           </a:p>
@@ -873,7 +873,7 @@
           <a:p>
             <a:fld id="{2B03390F-521F-40ED-9D3B-4287339B36CD}" type="datetimeFigureOut">
               <a:rPr lang="pt-PT" smtClean="0"/>
-              <a:t>25/05/2021</a:t>
+              <a:t>26/05/2021</a:t>
             </a:fld>
             <a:endParaRPr lang="pt-PT"/>
           </a:p>
@@ -1148,7 +1148,7 @@
           <a:p>
             <a:fld id="{2B03390F-521F-40ED-9D3B-4287339B36CD}" type="datetimeFigureOut">
               <a:rPr lang="pt-PT" smtClean="0"/>
-              <a:t>25/05/2021</a:t>
+              <a:t>26/05/2021</a:t>
             </a:fld>
             <a:endParaRPr lang="pt-PT"/>
           </a:p>
@@ -1413,7 +1413,7 @@
           <a:p>
             <a:fld id="{2B03390F-521F-40ED-9D3B-4287339B36CD}" type="datetimeFigureOut">
               <a:rPr lang="pt-PT" smtClean="0"/>
-              <a:t>25/05/2021</a:t>
+              <a:t>26/05/2021</a:t>
             </a:fld>
             <a:endParaRPr lang="pt-PT"/>
           </a:p>
@@ -1830,7 +1830,7 @@
           <a:p>
             <a:fld id="{2B03390F-521F-40ED-9D3B-4287339B36CD}" type="datetimeFigureOut">
               <a:rPr lang="pt-PT" smtClean="0"/>
-              <a:t>25/05/2021</a:t>
+              <a:t>26/05/2021</a:t>
             </a:fld>
             <a:endParaRPr lang="pt-PT"/>
           </a:p>
@@ -1976,7 +1976,7 @@
           <a:p>
             <a:fld id="{2B03390F-521F-40ED-9D3B-4287339B36CD}" type="datetimeFigureOut">
               <a:rPr lang="pt-PT" smtClean="0"/>
-              <a:t>25/05/2021</a:t>
+              <a:t>26/05/2021</a:t>
             </a:fld>
             <a:endParaRPr lang="pt-PT"/>
           </a:p>
@@ -2089,7 +2089,7 @@
           <a:p>
             <a:fld id="{2B03390F-521F-40ED-9D3B-4287339B36CD}" type="datetimeFigureOut">
               <a:rPr lang="pt-PT" smtClean="0"/>
-              <a:t>25/05/2021</a:t>
+              <a:t>26/05/2021</a:t>
             </a:fld>
             <a:endParaRPr lang="pt-PT"/>
           </a:p>
@@ -2400,7 +2400,7 @@
           <a:p>
             <a:fld id="{2B03390F-521F-40ED-9D3B-4287339B36CD}" type="datetimeFigureOut">
               <a:rPr lang="pt-PT" smtClean="0"/>
-              <a:t>25/05/2021</a:t>
+              <a:t>26/05/2021</a:t>
             </a:fld>
             <a:endParaRPr lang="pt-PT"/>
           </a:p>
@@ -2693,7 +2693,7 @@
           <a:p>
             <a:fld id="{2B03390F-521F-40ED-9D3B-4287339B36CD}" type="datetimeFigureOut">
               <a:rPr lang="pt-PT" smtClean="0"/>
-              <a:t>25/05/2021</a:t>
+              <a:t>26/05/2021</a:t>
             </a:fld>
             <a:endParaRPr lang="pt-PT"/>
           </a:p>
@@ -2934,7 +2934,7 @@
           <a:p>
             <a:fld id="{2B03390F-521F-40ED-9D3B-4287339B36CD}" type="datetimeFigureOut">
               <a:rPr lang="pt-PT" smtClean="0"/>
-              <a:t>25/05/2021</a:t>
+              <a:t>26/05/2021</a:t>
             </a:fld>
             <a:endParaRPr lang="pt-PT"/>
           </a:p>

--- a/Project2/docs/Ball Sort Puzzle.pptx
+++ b/Project2/docs/Ball Sort Puzzle.pptx
@@ -4670,7 +4670,7 @@
         </p:nvSpPr>
         <p:spPr>
           <a:xfrm>
-            <a:off x="6429119" y="5906869"/>
+            <a:off x="4076243" y="5741084"/>
             <a:ext cx="3058036" cy="646331"/>
           </a:xfrm>
           <a:prstGeom prst="rect">
@@ -4721,7 +4721,7 @@
         </p:nvSpPr>
         <p:spPr>
           <a:xfrm>
-            <a:off x="1625947" y="5898480"/>
+            <a:off x="559716" y="5732695"/>
             <a:ext cx="3058037" cy="646331"/>
           </a:xfrm>
           <a:prstGeom prst="rect">
@@ -4794,8 +4794,8 @@
         </p:blipFill>
         <p:spPr bwMode="auto">
           <a:xfrm>
-            <a:off x="6096000" y="3269788"/>
-            <a:ext cx="3724275" cy="2657475"/>
+            <a:off x="4085889" y="3429000"/>
+            <a:ext cx="3038745" cy="2168312"/>
           </a:xfrm>
           <a:prstGeom prst="rect">
             <a:avLst/>
@@ -4841,8 +4841,55 @@
         </p:blipFill>
         <p:spPr bwMode="auto">
           <a:xfrm>
-            <a:off x="1292828" y="3269788"/>
-            <a:ext cx="3724275" cy="2657475"/>
+            <a:off x="569362" y="3429000"/>
+            <a:ext cx="3038745" cy="2168312"/>
+          </a:xfrm>
+          <a:prstGeom prst="rect">
+            <a:avLst/>
+          </a:prstGeom>
+          <a:noFill/>
+          <a:extLst>
+            <a:ext uri="{909E8E84-426E-40DD-AFC4-6F175D3DCCD1}">
+              <a14:hiddenFill xmlns:a14="http://schemas.microsoft.com/office/drawing/2010/main">
+                <a:solidFill>
+                  <a:srgbClr val="FFFFFF"/>
+                </a:solidFill>
+              </a14:hiddenFill>
+            </a:ext>
+          </a:extLst>
+        </p:spPr>
+      </p:pic>
+      <p:pic>
+        <p:nvPicPr>
+          <p:cNvPr id="2050" name="Picture 2">
+            <a:extLst>
+              <a:ext uri="{FF2B5EF4-FFF2-40B4-BE49-F238E27FC236}">
+                <a16:creationId xmlns:a16="http://schemas.microsoft.com/office/drawing/2014/main" id="{07472473-A425-4219-98C2-44268CBA63EC}"/>
+              </a:ext>
+            </a:extLst>
+          </p:cNvPr>
+          <p:cNvPicPr>
+            <a:picLocks noChangeAspect="1" noChangeArrowheads="1"/>
+          </p:cNvPicPr>
+          <p:nvPr/>
+        </p:nvPicPr>
+        <p:blipFill>
+          <a:blip r:embed="rId5">
+            <a:extLst>
+              <a:ext uri="{28A0092B-C50C-407E-A947-70E740481C1C}">
+                <a14:useLocalDpi xmlns:a14="http://schemas.microsoft.com/office/drawing/2010/main" val="0"/>
+              </a:ext>
+            </a:extLst>
+          </a:blip>
+          <a:srcRect/>
+          <a:stretch>
+            <a:fillRect/>
+          </a:stretch>
+        </p:blipFill>
+        <p:spPr bwMode="auto">
+          <a:xfrm>
+            <a:off x="7467534" y="3395647"/>
+            <a:ext cx="2053662" cy="2849456"/>
           </a:xfrm>
           <a:prstGeom prst="rect">
             <a:avLst/>
@@ -10452,6 +10499,143 @@
           <a:prstGeom prst="rect">
             <a:avLst/>
           </a:prstGeom>
+        </p:spPr>
+      </p:pic>
+      <p:sp>
+        <p:nvSpPr>
+          <p:cNvPr id="2" name="AutoShape 2">
+            <a:extLst>
+              <a:ext uri="{FF2B5EF4-FFF2-40B4-BE49-F238E27FC236}">
+                <a16:creationId xmlns:a16="http://schemas.microsoft.com/office/drawing/2014/main" id="{E0594E32-CA60-4718-A4F1-578B8BF94191}"/>
+              </a:ext>
+            </a:extLst>
+          </p:cNvPr>
+          <p:cNvSpPr>
+            <a:spLocks noChangeAspect="1" noChangeArrowheads="1"/>
+          </p:cNvSpPr>
+          <p:nvPr/>
+        </p:nvSpPr>
+        <p:spPr bwMode="auto">
+          <a:xfrm>
+            <a:off x="5943600" y="3276600"/>
+            <a:ext cx="304800" cy="304800"/>
+          </a:xfrm>
+          <a:prstGeom prst="rect">
+            <a:avLst/>
+          </a:prstGeom>
+          <a:noFill/>
+          <a:extLst>
+            <a:ext uri="{909E8E84-426E-40DD-AFC4-6F175D3DCCD1}">
+              <a14:hiddenFill xmlns:a14="http://schemas.microsoft.com/office/drawing/2010/main">
+                <a:solidFill>
+                  <a:srgbClr val="FFFFFF"/>
+                </a:solidFill>
+              </a14:hiddenFill>
+            </a:ext>
+          </a:extLst>
+        </p:spPr>
+        <p:txBody>
+          <a:bodyPr vert="horz" wrap="square" lIns="91440" tIns="45720" rIns="91440" bIns="45720" numCol="1" anchor="t" anchorCtr="0" compatLnSpc="1">
+            <a:prstTxWarp prst="textNoShape">
+              <a:avLst/>
+            </a:prstTxWarp>
+          </a:bodyPr>
+          <a:lstStyle/>
+          <a:p>
+            <a:endParaRPr lang="en-GB"/>
+          </a:p>
+        </p:txBody>
+      </p:sp>
+      <p:sp>
+        <p:nvSpPr>
+          <p:cNvPr id="7" name="AutoShape 4">
+            <a:extLst>
+              <a:ext uri="{FF2B5EF4-FFF2-40B4-BE49-F238E27FC236}">
+                <a16:creationId xmlns:a16="http://schemas.microsoft.com/office/drawing/2014/main" id="{24309A7C-3E50-4F25-A12A-7B854261F7F3}"/>
+              </a:ext>
+            </a:extLst>
+          </p:cNvPr>
+          <p:cNvSpPr>
+            <a:spLocks noChangeAspect="1" noChangeArrowheads="1"/>
+          </p:cNvSpPr>
+          <p:nvPr/>
+        </p:nvSpPr>
+        <p:spPr bwMode="auto">
+          <a:xfrm>
+            <a:off x="6096000" y="3429000"/>
+            <a:ext cx="304800" cy="304800"/>
+          </a:xfrm>
+          <a:prstGeom prst="rect">
+            <a:avLst/>
+          </a:prstGeom>
+          <a:noFill/>
+          <a:extLst>
+            <a:ext uri="{909E8E84-426E-40DD-AFC4-6F175D3DCCD1}">
+              <a14:hiddenFill xmlns:a14="http://schemas.microsoft.com/office/drawing/2010/main">
+                <a:solidFill>
+                  <a:srgbClr val="FFFFFF"/>
+                </a:solidFill>
+              </a14:hiddenFill>
+            </a:ext>
+          </a:extLst>
+        </p:spPr>
+        <p:txBody>
+          <a:bodyPr vert="horz" wrap="square" lIns="91440" tIns="45720" rIns="91440" bIns="45720" numCol="1" anchor="t" anchorCtr="0" compatLnSpc="1">
+            <a:prstTxWarp prst="textNoShape">
+              <a:avLst/>
+            </a:prstTxWarp>
+          </a:bodyPr>
+          <a:lstStyle/>
+          <a:p>
+            <a:endParaRPr lang="en-GB" dirty="0"/>
+          </a:p>
+        </p:txBody>
+      </p:sp>
+      <p:pic>
+        <p:nvPicPr>
+          <p:cNvPr id="1032" name="Picture 8">
+            <a:extLst>
+              <a:ext uri="{FF2B5EF4-FFF2-40B4-BE49-F238E27FC236}">
+                <a16:creationId xmlns:a16="http://schemas.microsoft.com/office/drawing/2014/main" id="{AAE4B0C6-F916-484C-BE5A-FE50C8716999}"/>
+              </a:ext>
+            </a:extLst>
+          </p:cNvPr>
+          <p:cNvPicPr>
+            <a:picLocks noChangeAspect="1" noChangeArrowheads="1"/>
+          </p:cNvPicPr>
+          <p:nvPr/>
+        </p:nvPicPr>
+        <p:blipFill>
+          <a:blip r:embed="rId3">
+            <a:extLst>
+              <a:ext uri="{28A0092B-C50C-407E-A947-70E740481C1C}">
+                <a14:useLocalDpi xmlns:a14="http://schemas.microsoft.com/office/drawing/2010/main" val="0"/>
+              </a:ext>
+            </a:extLst>
+          </a:blip>
+          <a:srcRect/>
+          <a:stretch>
+            <a:fillRect/>
+          </a:stretch>
+        </p:blipFill>
+        <p:spPr bwMode="auto">
+          <a:xfrm>
+            <a:off x="6263359" y="2533976"/>
+            <a:ext cx="3592839" cy="2625536"/>
+          </a:xfrm>
+          <a:prstGeom prst="rect">
+            <a:avLst/>
+          </a:prstGeom>
+          <a:noFill/>
+          <a:extLst>
+            <a:ext uri="{909E8E84-426E-40DD-AFC4-6F175D3DCCD1}">
+              <a14:hiddenFill xmlns:a14="http://schemas.microsoft.com/office/drawing/2010/main">
+                <a:solidFill>
+                  <a:srgbClr val="FFFFFF"/>
+                </a:solidFill>
+              </a14:hiddenFill>
+            </a:ext>
+          </a:extLst>
         </p:spPr>
       </p:pic>
     </p:spTree>
